--- a/Meetings/Luka 16-03-2022.pptx
+++ b/Meetings/Luka 16-03-2022.pptx
@@ -5,7 +5,7 @@
     <p:sldMasterId id="2147483648" r:id="rId4"/>
   </p:sldMasterIdLst>
   <p:notesMasterIdLst>
-    <p:notesMasterId r:id="rId25"/>
+    <p:notesMasterId r:id="rId26"/>
   </p:notesMasterIdLst>
   <p:sldIdLst>
     <p:sldId id="302" r:id="rId5"/>
@@ -27,7 +27,8 @@
     <p:sldId id="337" r:id="rId21"/>
     <p:sldId id="339" r:id="rId22"/>
     <p:sldId id="338" r:id="rId23"/>
-    <p:sldId id="328" r:id="rId24"/>
+    <p:sldId id="340" r:id="rId24"/>
+    <p:sldId id="328" r:id="rId25"/>
   </p:sldIdLst>
   <p:sldSz cx="12192000" cy="6858000"/>
   <p:notesSz cx="6858000" cy="9144000"/>
@@ -30399,7 +30400,7 @@
             </a:br>
             <a:r>
               <a:rPr lang="nl-NL" dirty="0"/>
-              <a:t>16-3-2022</a:t>
+              <a:t>18-3-2022</a:t>
             </a:r>
           </a:p>
         </p:txBody>
@@ -31649,6 +31650,125 @@
           <p:cNvPr id="2" name="Titel 1">
             <a:extLst>
               <a:ext uri="{FF2B5EF4-FFF2-40B4-BE49-F238E27FC236}">
+                <a16:creationId xmlns:a16="http://schemas.microsoft.com/office/drawing/2014/main" id="{25A0B18F-88C3-41BF-9D04-59197B52DB95}"/>
+              </a:ext>
+            </a:extLst>
+          </p:cNvPr>
+          <p:cNvSpPr>
+            <a:spLocks noGrp="1"/>
+          </p:cNvSpPr>
+          <p:nvPr>
+            <p:ph type="title"/>
+          </p:nvPr>
+        </p:nvSpPr>
+        <p:spPr/>
+        <p:txBody>
+          <a:bodyPr/>
+          <a:lstStyle/>
+          <a:p>
+            <a:r>
+              <a:rPr lang="en-US" dirty="0"/>
+              <a:t>Next Step</a:t>
+            </a:r>
+          </a:p>
+        </p:txBody>
+      </p:sp>
+      <p:sp>
+        <p:nvSpPr>
+          <p:cNvPr id="3" name="Tijdelijke aanduiding voor tekst 2">
+            <a:extLst>
+              <a:ext uri="{FF2B5EF4-FFF2-40B4-BE49-F238E27FC236}">
+                <a16:creationId xmlns:a16="http://schemas.microsoft.com/office/drawing/2014/main" id="{D47368AE-AFAF-4A03-81D0-22CC561D4F54}"/>
+              </a:ext>
+            </a:extLst>
+          </p:cNvPr>
+          <p:cNvSpPr>
+            <a:spLocks noGrp="1"/>
+          </p:cNvSpPr>
+          <p:nvPr>
+            <p:ph type="body" idx="1"/>
+          </p:nvPr>
+        </p:nvSpPr>
+        <p:spPr/>
+        <p:txBody>
+          <a:bodyPr/>
+          <a:lstStyle/>
+          <a:p>
+            <a:r>
+              <a:rPr lang="en-US" dirty="0"/>
+              <a:t>Make sure the behavior always stayed “good”</a:t>
+            </a:r>
+          </a:p>
+          <a:p>
+            <a:r>
+              <a:rPr lang="en-US" dirty="0"/>
+              <a:t>Work on AFS -&gt; something is not going correctly with phase</a:t>
+            </a:r>
+          </a:p>
+          <a:p>
+            <a:r>
+              <a:rPr lang="en-US" dirty="0"/>
+              <a:t>Multiple DOF</a:t>
+            </a:r>
+          </a:p>
+          <a:p>
+            <a:r>
+              <a:rPr lang="en-US" dirty="0"/>
+              <a:t>Control of robot</a:t>
+            </a:r>
+          </a:p>
+          <a:p>
+            <a:endParaRPr lang="en-US" dirty="0"/>
+          </a:p>
+          <a:p>
+            <a:r>
+              <a:rPr lang="en-US" dirty="0"/>
+              <a:t>Working with robot? </a:t>
+            </a:r>
+            <a:r>
+              <a:rPr lang="en-US"/>
+              <a:t>What do I have to do</a:t>
+            </a:r>
+            <a:endParaRPr lang="en-US" dirty="0"/>
+          </a:p>
+        </p:txBody>
+      </p:sp>
+    </p:spTree>
+    <p:extLst>
+      <p:ext uri="{BB962C8B-B14F-4D97-AF65-F5344CB8AC3E}">
+        <p14:creationId xmlns:p14="http://schemas.microsoft.com/office/powerpoint/2010/main" val="4273533055"/>
+      </p:ext>
+    </p:extLst>
+  </p:cSld>
+  <p:clrMapOvr>
+    <a:masterClrMapping/>
+  </p:clrMapOvr>
+  <p:transition spd="med"/>
+</p:sld>
+</file>
+
+<file path=ppt/slides/slide21.xml><?xml version="1.0" encoding="utf-8"?>
+<p:sld xmlns:a="http://schemas.openxmlformats.org/drawingml/2006/main" xmlns:r="http://schemas.openxmlformats.org/officeDocument/2006/relationships" xmlns:p="http://schemas.openxmlformats.org/presentationml/2006/main">
+  <p:cSld>
+    <p:spTree>
+      <p:nvGrpSpPr>
+        <p:cNvPr id="1" name=""/>
+        <p:cNvGrpSpPr/>
+        <p:nvPr/>
+      </p:nvGrpSpPr>
+      <p:grpSpPr>
+        <a:xfrm>
+          <a:off x="0" y="0"/>
+          <a:ext cx="0" cy="0"/>
+          <a:chOff x="0" y="0"/>
+          <a:chExt cx="0" cy="0"/>
+        </a:xfrm>
+      </p:grpSpPr>
+      <p:sp>
+        <p:nvSpPr>
+          <p:cNvPr id="2" name="Titel 1">
+            <a:extLst>
+              <a:ext uri="{FF2B5EF4-FFF2-40B4-BE49-F238E27FC236}">
                 <a16:creationId xmlns:a16="http://schemas.microsoft.com/office/drawing/2014/main" id="{C67C1827-1669-4521-B6DC-5BB87A877713}"/>
               </a:ext>
             </a:extLst>
@@ -31753,7 +31873,7 @@
         </p:nvSpPr>
         <p:spPr>
           <a:xfrm>
-            <a:off x="698499" y="741499"/>
+            <a:off x="718429" y="735682"/>
             <a:ext cx="10775072" cy="490401"/>
           </a:xfrm>
           <a:prstGeom prst="rect">

--- a/Meetings/Luka 16-03-2022.pptx
+++ b/Meetings/Luka 16-03-2022.pptx
@@ -1148,7 +1148,7 @@
                 <a:effectLst/>
                 <a:extLst>
                   <a:ext uri="{C572A759-6A51-4108-AA02-DFA0A04FC94B}">
-                    <ma14:wrappingTextBoxFlag xmlns:ma14="http://schemas.microsoft.com/office/mac/drawingml/2011/main" xmlns:a14="http://schemas.microsoft.com/office/drawing/2010/main" xmlns:m="http://schemas.openxmlformats.org/officeDocument/2006/math" xmlns="" val="1"/>
+                    <ma14:wrappingTextBoxFlag xmlns="" xmlns:m="http://schemas.openxmlformats.org/officeDocument/2006/math" xmlns:a14="http://schemas.microsoft.com/office/drawing/2010/main" xmlns:ma14="http://schemas.microsoft.com/office/mac/drawingml/2011/main" val="1"/>
                   </a:ext>
                 </a:extLst>
               </p:spPr>
@@ -1253,7 +1253,7 @@
                 <a:effectLst/>
                 <a:extLst>
                   <a:ext uri="{C572A759-6A51-4108-AA02-DFA0A04FC94B}">
-                    <ma14:wrappingTextBoxFlag xmlns:ma14="http://schemas.microsoft.com/office/mac/drawingml/2011/main" xmlns:a14="http://schemas.microsoft.com/office/drawing/2010/main" xmlns:m="http://schemas.openxmlformats.org/officeDocument/2006/math" xmlns="" val="1"/>
+                    <ma14:wrappingTextBoxFlag xmlns="" xmlns:m="http://schemas.openxmlformats.org/officeDocument/2006/math" xmlns:a14="http://schemas.microsoft.com/office/drawing/2010/main" xmlns:ma14="http://schemas.microsoft.com/office/mac/drawingml/2011/main" val="1"/>
                   </a:ext>
                 </a:extLst>
               </p:spPr>
@@ -1304,7 +1304,7 @@
               <a:effectLst/>
               <a:extLst>
                 <a:ext uri="{C572A759-6A51-4108-AA02-DFA0A04FC94B}">
-                  <ma14:wrappingTextBoxFlag xmlns:ma14="http://schemas.microsoft.com/office/mac/drawingml/2011/main" xmlns:a14="http://schemas.microsoft.com/office/drawing/2010/main" xmlns:m="http://schemas.openxmlformats.org/officeDocument/2006/math" xmlns="" val="1"/>
+                  <ma14:wrappingTextBoxFlag xmlns="" xmlns:m="http://schemas.openxmlformats.org/officeDocument/2006/math" xmlns:a14="http://schemas.microsoft.com/office/drawing/2010/main" xmlns:ma14="http://schemas.microsoft.com/office/mac/drawingml/2011/main" val="1"/>
                 </a:ext>
               </a:extLst>
             </p:spPr>
@@ -1415,7 +1415,7 @@
                 <a:effectLst/>
                 <a:extLst>
                   <a:ext uri="{C572A759-6A51-4108-AA02-DFA0A04FC94B}">
-                    <ma14:wrappingTextBoxFlag xmlns:ma14="http://schemas.microsoft.com/office/mac/drawingml/2011/main" xmlns:a14="http://schemas.microsoft.com/office/drawing/2010/main" xmlns:m="http://schemas.openxmlformats.org/officeDocument/2006/math" xmlns="" val="1"/>
+                    <ma14:wrappingTextBoxFlag xmlns="" xmlns:m="http://schemas.openxmlformats.org/officeDocument/2006/math" xmlns:a14="http://schemas.microsoft.com/office/drawing/2010/main" xmlns:ma14="http://schemas.microsoft.com/office/mac/drawingml/2011/main" val="1"/>
                   </a:ext>
                 </a:extLst>
               </p:spPr>
@@ -1466,7 +1466,7 @@
               <a:effectLst/>
               <a:extLst>
                 <a:ext uri="{C572A759-6A51-4108-AA02-DFA0A04FC94B}">
-                  <ma14:wrappingTextBoxFlag xmlns:ma14="http://schemas.microsoft.com/office/mac/drawingml/2011/main" xmlns:a14="http://schemas.microsoft.com/office/drawing/2010/main" xmlns:m="http://schemas.openxmlformats.org/officeDocument/2006/math" xmlns="" val="1"/>
+                  <ma14:wrappingTextBoxFlag xmlns="" xmlns:m="http://schemas.openxmlformats.org/officeDocument/2006/math" xmlns:a14="http://schemas.microsoft.com/office/drawing/2010/main" xmlns:ma14="http://schemas.microsoft.com/office/mac/drawingml/2011/main" val="1"/>
                 </a:ext>
               </a:extLst>
             </p:spPr>
@@ -1804,7 +1804,7 @@
                 <a:effectLst/>
                 <a:extLst>
                   <a:ext uri="{C572A759-6A51-4108-AA02-DFA0A04FC94B}">
-                    <ma14:wrappingTextBoxFlag xmlns:ma14="http://schemas.microsoft.com/office/mac/drawingml/2011/main" xmlns:a14="http://schemas.microsoft.com/office/drawing/2010/main" xmlns:m="http://schemas.openxmlformats.org/officeDocument/2006/math" xmlns="" val="1"/>
+                    <ma14:wrappingTextBoxFlag xmlns="" xmlns:m="http://schemas.openxmlformats.org/officeDocument/2006/math" xmlns:a14="http://schemas.microsoft.com/office/drawing/2010/main" xmlns:ma14="http://schemas.microsoft.com/office/mac/drawingml/2011/main" val="1"/>
                   </a:ext>
                 </a:extLst>
               </p:spPr>
@@ -3303,7 +3303,7 @@
           </a:ln>
           <a:extLst>
             <a:ext uri="{C572A759-6A51-4108-AA02-DFA0A04FC94B}">
-              <ma14:wrappingTextBoxFlag xmlns:ma14="http://schemas.microsoft.com/office/mac/drawingml/2011/main" xmlns:a14="http://schemas.microsoft.com/office/drawing/2010/main" xmlns:m="http://schemas.openxmlformats.org/officeDocument/2006/math" xmlns="" val="1"/>
+              <ma14:wrappingTextBoxFlag xmlns="" xmlns:m="http://schemas.openxmlformats.org/officeDocument/2006/math" xmlns:a14="http://schemas.microsoft.com/office/drawing/2010/main" xmlns:ma14="http://schemas.microsoft.com/office/mac/drawingml/2011/main" val="1"/>
             </a:ext>
           </a:extLst>
         </p:spPr>
@@ -3577,7 +3577,7 @@
               <a:effectLst/>
               <a:extLst>
                 <a:ext uri="{C572A759-6A51-4108-AA02-DFA0A04FC94B}">
-                  <ma14:wrappingTextBoxFlag xmlns:ma14="http://schemas.microsoft.com/office/mac/drawingml/2011/main" xmlns:a14="http://schemas.microsoft.com/office/drawing/2010/main" xmlns:m="http://schemas.openxmlformats.org/officeDocument/2006/math" xmlns="" val="1"/>
+                  <ma14:wrappingTextBoxFlag xmlns="" xmlns:m="http://schemas.openxmlformats.org/officeDocument/2006/math" xmlns:a14="http://schemas.microsoft.com/office/drawing/2010/main" xmlns:ma14="http://schemas.microsoft.com/office/mac/drawingml/2011/main" val="1"/>
                 </a:ext>
               </a:extLst>
             </p:spPr>
@@ -3682,7 +3682,7 @@
               <a:effectLst/>
               <a:extLst>
                 <a:ext uri="{C572A759-6A51-4108-AA02-DFA0A04FC94B}">
-                  <ma14:wrappingTextBoxFlag xmlns:ma14="http://schemas.microsoft.com/office/mac/drawingml/2011/main" xmlns:a14="http://schemas.microsoft.com/office/drawing/2010/main" xmlns:m="http://schemas.openxmlformats.org/officeDocument/2006/math" xmlns="" val="1"/>
+                  <ma14:wrappingTextBoxFlag xmlns="" xmlns:m="http://schemas.openxmlformats.org/officeDocument/2006/math" xmlns:a14="http://schemas.microsoft.com/office/drawing/2010/main" xmlns:ma14="http://schemas.microsoft.com/office/mac/drawingml/2011/main" val="1"/>
                 </a:ext>
               </a:extLst>
             </p:spPr>
@@ -3733,7 +3733,7 @@
             <a:effectLst/>
             <a:extLst>
               <a:ext uri="{C572A759-6A51-4108-AA02-DFA0A04FC94B}">
-                <ma14:wrappingTextBoxFlag xmlns:ma14="http://schemas.microsoft.com/office/mac/drawingml/2011/main" xmlns:a14="http://schemas.microsoft.com/office/drawing/2010/main" xmlns:m="http://schemas.openxmlformats.org/officeDocument/2006/math" xmlns="" val="1"/>
+                <ma14:wrappingTextBoxFlag xmlns="" xmlns:m="http://schemas.openxmlformats.org/officeDocument/2006/math" xmlns:a14="http://schemas.microsoft.com/office/drawing/2010/main" xmlns:ma14="http://schemas.microsoft.com/office/mac/drawingml/2011/main" val="1"/>
               </a:ext>
             </a:extLst>
           </p:spPr>
@@ -3837,7 +3837,7 @@
               <a:effectLst/>
               <a:extLst>
                 <a:ext uri="{C572A759-6A51-4108-AA02-DFA0A04FC94B}">
-                  <ma14:wrappingTextBoxFlag xmlns:ma14="http://schemas.microsoft.com/office/mac/drawingml/2011/main" xmlns:a14="http://schemas.microsoft.com/office/drawing/2010/main" xmlns:m="http://schemas.openxmlformats.org/officeDocument/2006/math" xmlns="" val="1"/>
+                  <ma14:wrappingTextBoxFlag xmlns="" xmlns:m="http://schemas.openxmlformats.org/officeDocument/2006/math" xmlns:a14="http://schemas.microsoft.com/office/drawing/2010/main" xmlns:ma14="http://schemas.microsoft.com/office/mac/drawingml/2011/main" val="1"/>
                 </a:ext>
               </a:extLst>
             </p:spPr>
@@ -3888,7 +3888,7 @@
             <a:effectLst/>
             <a:extLst>
               <a:ext uri="{C572A759-6A51-4108-AA02-DFA0A04FC94B}">
-                <ma14:wrappingTextBoxFlag xmlns:ma14="http://schemas.microsoft.com/office/mac/drawingml/2011/main" xmlns:a14="http://schemas.microsoft.com/office/drawing/2010/main" xmlns:m="http://schemas.openxmlformats.org/officeDocument/2006/math" xmlns="" val="1"/>
+                <ma14:wrappingTextBoxFlag xmlns="" xmlns:m="http://schemas.openxmlformats.org/officeDocument/2006/math" xmlns:a14="http://schemas.microsoft.com/office/drawing/2010/main" xmlns:ma14="http://schemas.microsoft.com/office/mac/drawingml/2011/main" val="1"/>
               </a:ext>
             </a:extLst>
           </p:spPr>
@@ -4208,7 +4208,7 @@
                 <a:effectLst/>
                 <a:extLst>
                   <a:ext uri="{C572A759-6A51-4108-AA02-DFA0A04FC94B}">
-                    <ma14:wrappingTextBoxFlag xmlns:ma14="http://schemas.microsoft.com/office/mac/drawingml/2011/main" xmlns:a14="http://schemas.microsoft.com/office/drawing/2010/main" xmlns:m="http://schemas.openxmlformats.org/officeDocument/2006/math" xmlns="" val="1"/>
+                    <ma14:wrappingTextBoxFlag xmlns="" xmlns:m="http://schemas.openxmlformats.org/officeDocument/2006/math" xmlns:a14="http://schemas.microsoft.com/office/drawing/2010/main" xmlns:ma14="http://schemas.microsoft.com/office/mac/drawingml/2011/main" val="1"/>
                   </a:ext>
                 </a:extLst>
               </p:spPr>
@@ -4313,7 +4313,7 @@
                 <a:effectLst/>
                 <a:extLst>
                   <a:ext uri="{C572A759-6A51-4108-AA02-DFA0A04FC94B}">
-                    <ma14:wrappingTextBoxFlag xmlns:ma14="http://schemas.microsoft.com/office/mac/drawingml/2011/main" xmlns:a14="http://schemas.microsoft.com/office/drawing/2010/main" xmlns:m="http://schemas.openxmlformats.org/officeDocument/2006/math" xmlns="" val="1"/>
+                    <ma14:wrappingTextBoxFlag xmlns="" xmlns:m="http://schemas.openxmlformats.org/officeDocument/2006/math" xmlns:a14="http://schemas.microsoft.com/office/drawing/2010/main" xmlns:ma14="http://schemas.microsoft.com/office/mac/drawingml/2011/main" val="1"/>
                   </a:ext>
                 </a:extLst>
               </p:spPr>
@@ -4364,7 +4364,7 @@
               <a:effectLst/>
               <a:extLst>
                 <a:ext uri="{C572A759-6A51-4108-AA02-DFA0A04FC94B}">
-                  <ma14:wrappingTextBoxFlag xmlns:ma14="http://schemas.microsoft.com/office/mac/drawingml/2011/main" xmlns:a14="http://schemas.microsoft.com/office/drawing/2010/main" xmlns:m="http://schemas.openxmlformats.org/officeDocument/2006/math" xmlns="" val="1"/>
+                  <ma14:wrappingTextBoxFlag xmlns="" xmlns:m="http://schemas.openxmlformats.org/officeDocument/2006/math" xmlns:a14="http://schemas.microsoft.com/office/drawing/2010/main" xmlns:ma14="http://schemas.microsoft.com/office/mac/drawingml/2011/main" val="1"/>
                 </a:ext>
               </a:extLst>
             </p:spPr>
@@ -4475,7 +4475,7 @@
                 <a:effectLst/>
                 <a:extLst>
                   <a:ext uri="{C572A759-6A51-4108-AA02-DFA0A04FC94B}">
-                    <ma14:wrappingTextBoxFlag xmlns:ma14="http://schemas.microsoft.com/office/mac/drawingml/2011/main" xmlns:a14="http://schemas.microsoft.com/office/drawing/2010/main" xmlns:m="http://schemas.openxmlformats.org/officeDocument/2006/math" xmlns="" val="1"/>
+                    <ma14:wrappingTextBoxFlag xmlns="" xmlns:m="http://schemas.openxmlformats.org/officeDocument/2006/math" xmlns:a14="http://schemas.microsoft.com/office/drawing/2010/main" xmlns:ma14="http://schemas.microsoft.com/office/mac/drawingml/2011/main" val="1"/>
                   </a:ext>
                 </a:extLst>
               </p:spPr>
@@ -4526,7 +4526,7 @@
               <a:effectLst/>
               <a:extLst>
                 <a:ext uri="{C572A759-6A51-4108-AA02-DFA0A04FC94B}">
-                  <ma14:wrappingTextBoxFlag xmlns:ma14="http://schemas.microsoft.com/office/mac/drawingml/2011/main" xmlns:a14="http://schemas.microsoft.com/office/drawing/2010/main" xmlns:m="http://schemas.openxmlformats.org/officeDocument/2006/math" xmlns="" val="1"/>
+                  <ma14:wrappingTextBoxFlag xmlns="" xmlns:m="http://schemas.openxmlformats.org/officeDocument/2006/math" xmlns:a14="http://schemas.microsoft.com/office/drawing/2010/main" xmlns:ma14="http://schemas.microsoft.com/office/mac/drawingml/2011/main" val="1"/>
                 </a:ext>
               </a:extLst>
             </p:spPr>
@@ -4864,7 +4864,7 @@
                 <a:effectLst/>
                 <a:extLst>
                   <a:ext uri="{C572A759-6A51-4108-AA02-DFA0A04FC94B}">
-                    <ma14:wrappingTextBoxFlag xmlns:ma14="http://schemas.microsoft.com/office/mac/drawingml/2011/main" xmlns:a14="http://schemas.microsoft.com/office/drawing/2010/main" xmlns:m="http://schemas.openxmlformats.org/officeDocument/2006/math" xmlns="" val="1"/>
+                    <ma14:wrappingTextBoxFlag xmlns="" xmlns:m="http://schemas.openxmlformats.org/officeDocument/2006/math" xmlns:a14="http://schemas.microsoft.com/office/drawing/2010/main" xmlns:ma14="http://schemas.microsoft.com/office/mac/drawingml/2011/main" val="1"/>
                   </a:ext>
                 </a:extLst>
               </p:spPr>
@@ -6349,7 +6349,7 @@
           </a:ln>
           <a:extLst>
             <a:ext uri="{C572A759-6A51-4108-AA02-DFA0A04FC94B}">
-              <ma14:wrappingTextBoxFlag xmlns:ma14="http://schemas.microsoft.com/office/mac/drawingml/2011/main" xmlns:a14="http://schemas.microsoft.com/office/drawing/2010/main" xmlns:m="http://schemas.openxmlformats.org/officeDocument/2006/math" xmlns="" val="1"/>
+              <ma14:wrappingTextBoxFlag xmlns="" xmlns:m="http://schemas.openxmlformats.org/officeDocument/2006/math" xmlns:a14="http://schemas.microsoft.com/office/drawing/2010/main" xmlns:ma14="http://schemas.microsoft.com/office/mac/drawingml/2011/main" val="1"/>
             </a:ext>
           </a:extLst>
         </p:spPr>
@@ -6566,7 +6566,7 @@
                 <a:effectLst/>
                 <a:extLst>
                   <a:ext uri="{C572A759-6A51-4108-AA02-DFA0A04FC94B}">
-                    <ma14:wrappingTextBoxFlag xmlns:ma14="http://schemas.microsoft.com/office/mac/drawingml/2011/main" xmlns:a14="http://schemas.microsoft.com/office/drawing/2010/main" xmlns:m="http://schemas.openxmlformats.org/officeDocument/2006/math" xmlns="" val="1"/>
+                    <ma14:wrappingTextBoxFlag xmlns="" xmlns:m="http://schemas.openxmlformats.org/officeDocument/2006/math" xmlns:a14="http://schemas.microsoft.com/office/drawing/2010/main" xmlns:ma14="http://schemas.microsoft.com/office/mac/drawingml/2011/main" val="1"/>
                   </a:ext>
                 </a:extLst>
               </p:spPr>
@@ -6671,7 +6671,7 @@
                 <a:effectLst/>
                 <a:extLst>
                   <a:ext uri="{C572A759-6A51-4108-AA02-DFA0A04FC94B}">
-                    <ma14:wrappingTextBoxFlag xmlns:ma14="http://schemas.microsoft.com/office/mac/drawingml/2011/main" xmlns:a14="http://schemas.microsoft.com/office/drawing/2010/main" xmlns:m="http://schemas.openxmlformats.org/officeDocument/2006/math" xmlns="" val="1"/>
+                    <ma14:wrappingTextBoxFlag xmlns="" xmlns:m="http://schemas.openxmlformats.org/officeDocument/2006/math" xmlns:a14="http://schemas.microsoft.com/office/drawing/2010/main" xmlns:ma14="http://schemas.microsoft.com/office/mac/drawingml/2011/main" val="1"/>
                   </a:ext>
                 </a:extLst>
               </p:spPr>
@@ -6722,7 +6722,7 @@
               <a:effectLst/>
               <a:extLst>
                 <a:ext uri="{C572A759-6A51-4108-AA02-DFA0A04FC94B}">
-                  <ma14:wrappingTextBoxFlag xmlns:ma14="http://schemas.microsoft.com/office/mac/drawingml/2011/main" xmlns:a14="http://schemas.microsoft.com/office/drawing/2010/main" xmlns:m="http://schemas.openxmlformats.org/officeDocument/2006/math" xmlns="" val="1"/>
+                  <ma14:wrappingTextBoxFlag xmlns="" xmlns:m="http://schemas.openxmlformats.org/officeDocument/2006/math" xmlns:a14="http://schemas.microsoft.com/office/drawing/2010/main" xmlns:ma14="http://schemas.microsoft.com/office/mac/drawingml/2011/main" val="1"/>
                 </a:ext>
               </a:extLst>
             </p:spPr>
@@ -6833,7 +6833,7 @@
                 <a:effectLst/>
                 <a:extLst>
                   <a:ext uri="{C572A759-6A51-4108-AA02-DFA0A04FC94B}">
-                    <ma14:wrappingTextBoxFlag xmlns:ma14="http://schemas.microsoft.com/office/mac/drawingml/2011/main" xmlns:a14="http://schemas.microsoft.com/office/drawing/2010/main" xmlns:m="http://schemas.openxmlformats.org/officeDocument/2006/math" xmlns="" val="1"/>
+                    <ma14:wrappingTextBoxFlag xmlns="" xmlns:m="http://schemas.openxmlformats.org/officeDocument/2006/math" xmlns:a14="http://schemas.microsoft.com/office/drawing/2010/main" xmlns:ma14="http://schemas.microsoft.com/office/mac/drawingml/2011/main" val="1"/>
                   </a:ext>
                 </a:extLst>
               </p:spPr>
@@ -6884,7 +6884,7 @@
               <a:effectLst/>
               <a:extLst>
                 <a:ext uri="{C572A759-6A51-4108-AA02-DFA0A04FC94B}">
-                  <ma14:wrappingTextBoxFlag xmlns:ma14="http://schemas.microsoft.com/office/mac/drawingml/2011/main" xmlns:a14="http://schemas.microsoft.com/office/drawing/2010/main" xmlns:m="http://schemas.openxmlformats.org/officeDocument/2006/math" xmlns="" val="1"/>
+                  <ma14:wrappingTextBoxFlag xmlns="" xmlns:m="http://schemas.openxmlformats.org/officeDocument/2006/math" xmlns:a14="http://schemas.microsoft.com/office/drawing/2010/main" xmlns:ma14="http://schemas.microsoft.com/office/mac/drawingml/2011/main" val="1"/>
                 </a:ext>
               </a:extLst>
             </p:spPr>
@@ -7222,7 +7222,7 @@
                 <a:effectLst/>
                 <a:extLst>
                   <a:ext uri="{C572A759-6A51-4108-AA02-DFA0A04FC94B}">
-                    <ma14:wrappingTextBoxFlag xmlns:ma14="http://schemas.microsoft.com/office/mac/drawingml/2011/main" xmlns:a14="http://schemas.microsoft.com/office/drawing/2010/main" xmlns:m="http://schemas.openxmlformats.org/officeDocument/2006/math" xmlns="" val="1"/>
+                    <ma14:wrappingTextBoxFlag xmlns="" xmlns:m="http://schemas.openxmlformats.org/officeDocument/2006/math" xmlns:a14="http://schemas.microsoft.com/office/drawing/2010/main" xmlns:ma14="http://schemas.microsoft.com/office/mac/drawingml/2011/main" val="1"/>
                   </a:ext>
                 </a:extLst>
               </p:spPr>
@@ -8754,7 +8754,7 @@
           </a:ln>
           <a:extLst>
             <a:ext uri="{C572A759-6A51-4108-AA02-DFA0A04FC94B}">
-              <ma14:wrappingTextBoxFlag xmlns:ma14="http://schemas.microsoft.com/office/mac/drawingml/2011/main" xmlns:a14="http://schemas.microsoft.com/office/drawing/2010/main" xmlns:m="http://schemas.openxmlformats.org/officeDocument/2006/math" xmlns="" val="1"/>
+              <ma14:wrappingTextBoxFlag xmlns="" xmlns:m="http://schemas.openxmlformats.org/officeDocument/2006/math" xmlns:a14="http://schemas.microsoft.com/office/drawing/2010/main" xmlns:ma14="http://schemas.microsoft.com/office/mac/drawingml/2011/main" val="1"/>
             </a:ext>
           </a:extLst>
         </p:spPr>
@@ -8975,7 +8975,7 @@
               <a:effectLst/>
               <a:extLst>
                 <a:ext uri="{C572A759-6A51-4108-AA02-DFA0A04FC94B}">
-                  <ma14:wrappingTextBoxFlag xmlns:ma14="http://schemas.microsoft.com/office/mac/drawingml/2011/main" xmlns:a14="http://schemas.microsoft.com/office/drawing/2010/main" xmlns:m="http://schemas.openxmlformats.org/officeDocument/2006/math" xmlns="" val="1"/>
+                  <ma14:wrappingTextBoxFlag xmlns="" xmlns:m="http://schemas.openxmlformats.org/officeDocument/2006/math" xmlns:a14="http://schemas.microsoft.com/office/drawing/2010/main" xmlns:ma14="http://schemas.microsoft.com/office/mac/drawingml/2011/main" val="1"/>
                 </a:ext>
               </a:extLst>
             </p:spPr>
@@ -10484,7 +10484,7 @@
             <a:effectLst/>
             <a:extLst>
               <a:ext uri="{C572A759-6A51-4108-AA02-DFA0A04FC94B}">
-                <ma14:wrappingTextBoxFlag xmlns:ma14="http://schemas.microsoft.com/office/mac/drawingml/2011/main" xmlns:a14="http://schemas.microsoft.com/office/drawing/2010/main" xmlns:m="http://schemas.openxmlformats.org/officeDocument/2006/math" xmlns="" val="1"/>
+                <ma14:wrappingTextBoxFlag xmlns="" xmlns:m="http://schemas.openxmlformats.org/officeDocument/2006/math" xmlns:a14="http://schemas.microsoft.com/office/drawing/2010/main" xmlns:ma14="http://schemas.microsoft.com/office/mac/drawingml/2011/main" val="1"/>
               </a:ext>
             </a:extLst>
           </p:spPr>
@@ -10540,7 +10540,7 @@
             <a:effectLst/>
             <a:extLst>
               <a:ext uri="{C572A759-6A51-4108-AA02-DFA0A04FC94B}">
-                <ma14:wrappingTextBoxFlag xmlns:ma14="http://schemas.microsoft.com/office/mac/drawingml/2011/main" xmlns:a14="http://schemas.microsoft.com/office/drawing/2010/main" xmlns:m="http://schemas.openxmlformats.org/officeDocument/2006/math" xmlns="" val="1"/>
+                <ma14:wrappingTextBoxFlag xmlns="" xmlns:m="http://schemas.openxmlformats.org/officeDocument/2006/math" xmlns:a14="http://schemas.microsoft.com/office/drawing/2010/main" xmlns:ma14="http://schemas.microsoft.com/office/mac/drawingml/2011/main" val="1"/>
               </a:ext>
             </a:extLst>
           </p:spPr>
@@ -10596,7 +10596,7 @@
             <a:effectLst/>
             <a:extLst>
               <a:ext uri="{C572A759-6A51-4108-AA02-DFA0A04FC94B}">
-                <ma14:wrappingTextBoxFlag xmlns:ma14="http://schemas.microsoft.com/office/mac/drawingml/2011/main" xmlns:a14="http://schemas.microsoft.com/office/drawing/2010/main" xmlns:m="http://schemas.openxmlformats.org/officeDocument/2006/math" xmlns="" val="1"/>
+                <ma14:wrappingTextBoxFlag xmlns="" xmlns:m="http://schemas.openxmlformats.org/officeDocument/2006/math" xmlns:a14="http://schemas.microsoft.com/office/drawing/2010/main" xmlns:ma14="http://schemas.microsoft.com/office/mac/drawingml/2011/main" val="1"/>
               </a:ext>
             </a:extLst>
           </p:spPr>
@@ -10725,7 +10725,7 @@
               <a:effectLst/>
               <a:extLst>
                 <a:ext uri="{C572A759-6A51-4108-AA02-DFA0A04FC94B}">
-                  <ma14:wrappingTextBoxFlag xmlns:ma14="http://schemas.microsoft.com/office/mac/drawingml/2011/main" xmlns:a14="http://schemas.microsoft.com/office/drawing/2010/main" xmlns:m="http://schemas.openxmlformats.org/officeDocument/2006/math" xmlns="" val="1"/>
+                  <ma14:wrappingTextBoxFlag xmlns="" xmlns:m="http://schemas.openxmlformats.org/officeDocument/2006/math" xmlns:a14="http://schemas.microsoft.com/office/drawing/2010/main" xmlns:ma14="http://schemas.microsoft.com/office/mac/drawingml/2011/main" val="1"/>
                 </a:ext>
               </a:extLst>
             </p:spPr>
@@ -11056,7 +11056,7 @@
                 <a:effectLst/>
                 <a:extLst>
                   <a:ext uri="{C572A759-6A51-4108-AA02-DFA0A04FC94B}">
-                    <ma14:wrappingTextBoxFlag xmlns:ma14="http://schemas.microsoft.com/office/mac/drawingml/2011/main" xmlns:a14="http://schemas.microsoft.com/office/drawing/2010/main" xmlns:m="http://schemas.openxmlformats.org/officeDocument/2006/math" xmlns="" val="1"/>
+                    <ma14:wrappingTextBoxFlag xmlns="" xmlns:m="http://schemas.openxmlformats.org/officeDocument/2006/math" xmlns:a14="http://schemas.microsoft.com/office/drawing/2010/main" xmlns:ma14="http://schemas.microsoft.com/office/mac/drawingml/2011/main" val="1"/>
                   </a:ext>
                 </a:extLst>
               </p:spPr>
@@ -11107,7 +11107,7 @@
               <a:effectLst/>
               <a:extLst>
                 <a:ext uri="{C572A759-6A51-4108-AA02-DFA0A04FC94B}">
-                  <ma14:wrappingTextBoxFlag xmlns:ma14="http://schemas.microsoft.com/office/mac/drawingml/2011/main" xmlns:a14="http://schemas.microsoft.com/office/drawing/2010/main" xmlns:m="http://schemas.openxmlformats.org/officeDocument/2006/math" xmlns="" val="1"/>
+                  <ma14:wrappingTextBoxFlag xmlns="" xmlns:m="http://schemas.openxmlformats.org/officeDocument/2006/math" xmlns:a14="http://schemas.microsoft.com/office/drawing/2010/main" xmlns:ma14="http://schemas.microsoft.com/office/mac/drawingml/2011/main" val="1"/>
                 </a:ext>
               </a:extLst>
             </p:spPr>
@@ -11205,7 +11205,7 @@
                 <a:effectLst/>
                 <a:extLst>
                   <a:ext uri="{C572A759-6A51-4108-AA02-DFA0A04FC94B}">
-                    <ma14:wrappingTextBoxFlag xmlns:ma14="http://schemas.microsoft.com/office/mac/drawingml/2011/main" xmlns:a14="http://schemas.microsoft.com/office/drawing/2010/main" xmlns:m="http://schemas.openxmlformats.org/officeDocument/2006/math" xmlns="" val="1"/>
+                    <ma14:wrappingTextBoxFlag xmlns="" xmlns:m="http://schemas.openxmlformats.org/officeDocument/2006/math" xmlns:a14="http://schemas.microsoft.com/office/drawing/2010/main" xmlns:ma14="http://schemas.microsoft.com/office/mac/drawingml/2011/main" val="1"/>
                   </a:ext>
                 </a:extLst>
               </p:spPr>
@@ -11256,7 +11256,7 @@
               <a:effectLst/>
               <a:extLst>
                 <a:ext uri="{C572A759-6A51-4108-AA02-DFA0A04FC94B}">
-                  <ma14:wrappingTextBoxFlag xmlns:ma14="http://schemas.microsoft.com/office/mac/drawingml/2011/main" xmlns:a14="http://schemas.microsoft.com/office/drawing/2010/main" xmlns:m="http://schemas.openxmlformats.org/officeDocument/2006/math" xmlns="" val="1"/>
+                  <ma14:wrappingTextBoxFlag xmlns="" xmlns:m="http://schemas.openxmlformats.org/officeDocument/2006/math" xmlns:a14="http://schemas.microsoft.com/office/drawing/2010/main" xmlns:ma14="http://schemas.microsoft.com/office/mac/drawingml/2011/main" val="1"/>
                 </a:ext>
               </a:extLst>
             </p:spPr>
@@ -11353,7 +11353,7 @@
                 <a:effectLst/>
                 <a:extLst>
                   <a:ext uri="{C572A759-6A51-4108-AA02-DFA0A04FC94B}">
-                    <ma14:wrappingTextBoxFlag xmlns:ma14="http://schemas.microsoft.com/office/mac/drawingml/2011/main" xmlns:a14="http://schemas.microsoft.com/office/drawing/2010/main" xmlns:m="http://schemas.openxmlformats.org/officeDocument/2006/math" xmlns="" val="1"/>
+                    <ma14:wrappingTextBoxFlag xmlns="" xmlns:m="http://schemas.openxmlformats.org/officeDocument/2006/math" xmlns:a14="http://schemas.microsoft.com/office/drawing/2010/main" xmlns:ma14="http://schemas.microsoft.com/office/mac/drawingml/2011/main" val="1"/>
                   </a:ext>
                 </a:extLst>
               </p:spPr>
@@ -11404,7 +11404,7 @@
               <a:effectLst/>
               <a:extLst>
                 <a:ext uri="{C572A759-6A51-4108-AA02-DFA0A04FC94B}">
-                  <ma14:wrappingTextBoxFlag xmlns:ma14="http://schemas.microsoft.com/office/mac/drawingml/2011/main" xmlns:a14="http://schemas.microsoft.com/office/drawing/2010/main" xmlns:m="http://schemas.openxmlformats.org/officeDocument/2006/math" xmlns="" val="1"/>
+                  <ma14:wrappingTextBoxFlag xmlns="" xmlns:m="http://schemas.openxmlformats.org/officeDocument/2006/math" xmlns:a14="http://schemas.microsoft.com/office/drawing/2010/main" xmlns:ma14="http://schemas.microsoft.com/office/mac/drawingml/2011/main" val="1"/>
                 </a:ext>
               </a:extLst>
             </p:spPr>
@@ -11496,7 +11496,7 @@
                 <a:effectLst/>
                 <a:extLst>
                   <a:ext uri="{C572A759-6A51-4108-AA02-DFA0A04FC94B}">
-                    <ma14:wrappingTextBoxFlag xmlns:ma14="http://schemas.microsoft.com/office/mac/drawingml/2011/main" xmlns:a14="http://schemas.microsoft.com/office/drawing/2010/main" xmlns:m="http://schemas.openxmlformats.org/officeDocument/2006/math" xmlns="" val="1"/>
+                    <ma14:wrappingTextBoxFlag xmlns="" xmlns:m="http://schemas.openxmlformats.org/officeDocument/2006/math" xmlns:a14="http://schemas.microsoft.com/office/drawing/2010/main" xmlns:ma14="http://schemas.microsoft.com/office/mac/drawingml/2011/main" val="1"/>
                   </a:ext>
                 </a:extLst>
               </p:spPr>
@@ -11547,7 +11547,7 @@
               <a:effectLst/>
               <a:extLst>
                 <a:ext uri="{C572A759-6A51-4108-AA02-DFA0A04FC94B}">
-                  <ma14:wrappingTextBoxFlag xmlns:ma14="http://schemas.microsoft.com/office/mac/drawingml/2011/main" xmlns:a14="http://schemas.microsoft.com/office/drawing/2010/main" xmlns:m="http://schemas.openxmlformats.org/officeDocument/2006/math" xmlns="" val="1"/>
+                  <ma14:wrappingTextBoxFlag xmlns="" xmlns:m="http://schemas.openxmlformats.org/officeDocument/2006/math" xmlns:a14="http://schemas.microsoft.com/office/drawing/2010/main" xmlns:ma14="http://schemas.microsoft.com/office/mac/drawingml/2011/main" val="1"/>
                 </a:ext>
               </a:extLst>
             </p:spPr>
@@ -11647,7 +11647,7 @@
                 <a:effectLst/>
                 <a:extLst>
                   <a:ext uri="{C572A759-6A51-4108-AA02-DFA0A04FC94B}">
-                    <ma14:wrappingTextBoxFlag xmlns:ma14="http://schemas.microsoft.com/office/mac/drawingml/2011/main" xmlns:a14="http://schemas.microsoft.com/office/drawing/2010/main" xmlns:m="http://schemas.openxmlformats.org/officeDocument/2006/math" xmlns="" val="1"/>
+                    <ma14:wrappingTextBoxFlag xmlns="" xmlns:m="http://schemas.openxmlformats.org/officeDocument/2006/math" xmlns:a14="http://schemas.microsoft.com/office/drawing/2010/main" xmlns:ma14="http://schemas.microsoft.com/office/mac/drawingml/2011/main" val="1"/>
                   </a:ext>
                 </a:extLst>
               </p:spPr>
@@ -11698,7 +11698,7 @@
               <a:effectLst/>
               <a:extLst>
                 <a:ext uri="{C572A759-6A51-4108-AA02-DFA0A04FC94B}">
-                  <ma14:wrappingTextBoxFlag xmlns:ma14="http://schemas.microsoft.com/office/mac/drawingml/2011/main" xmlns:a14="http://schemas.microsoft.com/office/drawing/2010/main" xmlns:m="http://schemas.openxmlformats.org/officeDocument/2006/math" xmlns="" val="1"/>
+                  <ma14:wrappingTextBoxFlag xmlns="" xmlns:m="http://schemas.openxmlformats.org/officeDocument/2006/math" xmlns:a14="http://schemas.microsoft.com/office/drawing/2010/main" xmlns:ma14="http://schemas.microsoft.com/office/mac/drawingml/2011/main" val="1"/>
                 </a:ext>
               </a:extLst>
             </p:spPr>
@@ -11795,7 +11795,7 @@
                 <a:effectLst/>
                 <a:extLst>
                   <a:ext uri="{C572A759-6A51-4108-AA02-DFA0A04FC94B}">
-                    <ma14:wrappingTextBoxFlag xmlns:ma14="http://schemas.microsoft.com/office/mac/drawingml/2011/main" xmlns:a14="http://schemas.microsoft.com/office/drawing/2010/main" xmlns:m="http://schemas.openxmlformats.org/officeDocument/2006/math" xmlns="" val="1"/>
+                    <ma14:wrappingTextBoxFlag xmlns="" xmlns:m="http://schemas.openxmlformats.org/officeDocument/2006/math" xmlns:a14="http://schemas.microsoft.com/office/drawing/2010/main" xmlns:ma14="http://schemas.microsoft.com/office/mac/drawingml/2011/main" val="1"/>
                   </a:ext>
                 </a:extLst>
               </p:spPr>
@@ -11846,7 +11846,7 @@
               <a:effectLst/>
               <a:extLst>
                 <a:ext uri="{C572A759-6A51-4108-AA02-DFA0A04FC94B}">
-                  <ma14:wrappingTextBoxFlag xmlns:ma14="http://schemas.microsoft.com/office/mac/drawingml/2011/main" xmlns:a14="http://schemas.microsoft.com/office/drawing/2010/main" xmlns:m="http://schemas.openxmlformats.org/officeDocument/2006/math" xmlns="" val="1"/>
+                  <ma14:wrappingTextBoxFlag xmlns="" xmlns:m="http://schemas.openxmlformats.org/officeDocument/2006/math" xmlns:a14="http://schemas.microsoft.com/office/drawing/2010/main" xmlns:ma14="http://schemas.microsoft.com/office/mac/drawingml/2011/main" val="1"/>
                 </a:ext>
               </a:extLst>
             </p:spPr>
@@ -11943,7 +11943,7 @@
                 <a:effectLst/>
                 <a:extLst>
                   <a:ext uri="{C572A759-6A51-4108-AA02-DFA0A04FC94B}">
-                    <ma14:wrappingTextBoxFlag xmlns:ma14="http://schemas.microsoft.com/office/mac/drawingml/2011/main" xmlns:a14="http://schemas.microsoft.com/office/drawing/2010/main" xmlns:m="http://schemas.openxmlformats.org/officeDocument/2006/math" xmlns="" val="1"/>
+                    <ma14:wrappingTextBoxFlag xmlns="" xmlns:m="http://schemas.openxmlformats.org/officeDocument/2006/math" xmlns:a14="http://schemas.microsoft.com/office/drawing/2010/main" xmlns:ma14="http://schemas.microsoft.com/office/mac/drawingml/2011/main" val="1"/>
                   </a:ext>
                 </a:extLst>
               </p:spPr>
@@ -11994,7 +11994,7 @@
               <a:effectLst/>
               <a:extLst>
                 <a:ext uri="{C572A759-6A51-4108-AA02-DFA0A04FC94B}">
-                  <ma14:wrappingTextBoxFlag xmlns:ma14="http://schemas.microsoft.com/office/mac/drawingml/2011/main" xmlns:a14="http://schemas.microsoft.com/office/drawing/2010/main" xmlns:m="http://schemas.openxmlformats.org/officeDocument/2006/math" xmlns="" val="1"/>
+                  <ma14:wrappingTextBoxFlag xmlns="" xmlns:m="http://schemas.openxmlformats.org/officeDocument/2006/math" xmlns:a14="http://schemas.microsoft.com/office/drawing/2010/main" xmlns:ma14="http://schemas.microsoft.com/office/mac/drawingml/2011/main" val="1"/>
                 </a:ext>
               </a:extLst>
             </p:spPr>
@@ -12091,7 +12091,7 @@
                 <a:effectLst/>
                 <a:extLst>
                   <a:ext uri="{C572A759-6A51-4108-AA02-DFA0A04FC94B}">
-                    <ma14:wrappingTextBoxFlag xmlns:ma14="http://schemas.microsoft.com/office/mac/drawingml/2011/main" xmlns:a14="http://schemas.microsoft.com/office/drawing/2010/main" xmlns:m="http://schemas.openxmlformats.org/officeDocument/2006/math" xmlns="" val="1"/>
+                    <ma14:wrappingTextBoxFlag xmlns="" xmlns:m="http://schemas.openxmlformats.org/officeDocument/2006/math" xmlns:a14="http://schemas.microsoft.com/office/drawing/2010/main" xmlns:ma14="http://schemas.microsoft.com/office/mac/drawingml/2011/main" val="1"/>
                   </a:ext>
                 </a:extLst>
               </p:spPr>
@@ -12142,7 +12142,7 @@
               <a:effectLst/>
               <a:extLst>
                 <a:ext uri="{C572A759-6A51-4108-AA02-DFA0A04FC94B}">
-                  <ma14:wrappingTextBoxFlag xmlns:ma14="http://schemas.microsoft.com/office/mac/drawingml/2011/main" xmlns:a14="http://schemas.microsoft.com/office/drawing/2010/main" xmlns:m="http://schemas.openxmlformats.org/officeDocument/2006/math" xmlns="" val="1"/>
+                  <ma14:wrappingTextBoxFlag xmlns="" xmlns:m="http://schemas.openxmlformats.org/officeDocument/2006/math" xmlns:a14="http://schemas.microsoft.com/office/drawing/2010/main" xmlns:ma14="http://schemas.microsoft.com/office/mac/drawingml/2011/main" val="1"/>
                 </a:ext>
               </a:extLst>
             </p:spPr>
@@ -12237,7 +12237,7 @@
                 <a:effectLst/>
                 <a:extLst>
                   <a:ext uri="{C572A759-6A51-4108-AA02-DFA0A04FC94B}">
-                    <ma14:wrappingTextBoxFlag xmlns:ma14="http://schemas.microsoft.com/office/mac/drawingml/2011/main" xmlns:a14="http://schemas.microsoft.com/office/drawing/2010/main" xmlns:m="http://schemas.openxmlformats.org/officeDocument/2006/math" xmlns="" val="1"/>
+                    <ma14:wrappingTextBoxFlag xmlns="" xmlns:m="http://schemas.openxmlformats.org/officeDocument/2006/math" xmlns:a14="http://schemas.microsoft.com/office/drawing/2010/main" xmlns:ma14="http://schemas.microsoft.com/office/mac/drawingml/2011/main" val="1"/>
                   </a:ext>
                 </a:extLst>
               </p:spPr>
@@ -12288,7 +12288,7 @@
               <a:effectLst/>
               <a:extLst>
                 <a:ext uri="{C572A759-6A51-4108-AA02-DFA0A04FC94B}">
-                  <ma14:wrappingTextBoxFlag xmlns:ma14="http://schemas.microsoft.com/office/mac/drawingml/2011/main" xmlns:a14="http://schemas.microsoft.com/office/drawing/2010/main" xmlns:m="http://schemas.openxmlformats.org/officeDocument/2006/math" xmlns="" val="1"/>
+                  <ma14:wrappingTextBoxFlag xmlns="" xmlns:m="http://schemas.openxmlformats.org/officeDocument/2006/math" xmlns:a14="http://schemas.microsoft.com/office/drawing/2010/main" xmlns:ma14="http://schemas.microsoft.com/office/mac/drawingml/2011/main" val="1"/>
                 </a:ext>
               </a:extLst>
             </p:spPr>
@@ -12338,7 +12338,7 @@
             <a:effectLst/>
             <a:extLst>
               <a:ext uri="{C572A759-6A51-4108-AA02-DFA0A04FC94B}">
-                <ma14:wrappingTextBoxFlag xmlns:ma14="http://schemas.microsoft.com/office/mac/drawingml/2011/main" xmlns:a14="http://schemas.microsoft.com/office/drawing/2010/main" xmlns:m="http://schemas.openxmlformats.org/officeDocument/2006/math" xmlns="" val="1"/>
+                <ma14:wrappingTextBoxFlag xmlns="" xmlns:m="http://schemas.openxmlformats.org/officeDocument/2006/math" xmlns:a14="http://schemas.microsoft.com/office/drawing/2010/main" xmlns:ma14="http://schemas.microsoft.com/office/mac/drawingml/2011/main" val="1"/>
               </a:ext>
             </a:extLst>
           </p:spPr>
@@ -12580,7 +12580,7 @@
                 <a:effectLst/>
                 <a:extLst>
                   <a:ext uri="{C572A759-6A51-4108-AA02-DFA0A04FC94B}">
-                    <ma14:wrappingTextBoxFlag xmlns:ma14="http://schemas.microsoft.com/office/mac/drawingml/2011/main" xmlns:a14="http://schemas.microsoft.com/office/drawing/2010/main" xmlns:m="http://schemas.openxmlformats.org/officeDocument/2006/math" xmlns="" val="1"/>
+                    <ma14:wrappingTextBoxFlag xmlns="" xmlns:m="http://schemas.openxmlformats.org/officeDocument/2006/math" xmlns:a14="http://schemas.microsoft.com/office/drawing/2010/main" xmlns:ma14="http://schemas.microsoft.com/office/mac/drawingml/2011/main" val="1"/>
                   </a:ext>
                 </a:extLst>
               </p:spPr>
@@ -12685,7 +12685,7 @@
                 <a:effectLst/>
                 <a:extLst>
                   <a:ext uri="{C572A759-6A51-4108-AA02-DFA0A04FC94B}">
-                    <ma14:wrappingTextBoxFlag xmlns:ma14="http://schemas.microsoft.com/office/mac/drawingml/2011/main" xmlns:a14="http://schemas.microsoft.com/office/drawing/2010/main" xmlns:m="http://schemas.openxmlformats.org/officeDocument/2006/math" xmlns="" val="1"/>
+                    <ma14:wrappingTextBoxFlag xmlns="" xmlns:m="http://schemas.openxmlformats.org/officeDocument/2006/math" xmlns:a14="http://schemas.microsoft.com/office/drawing/2010/main" xmlns:ma14="http://schemas.microsoft.com/office/mac/drawingml/2011/main" val="1"/>
                   </a:ext>
                 </a:extLst>
               </p:spPr>
@@ -12736,7 +12736,7 @@
               <a:effectLst/>
               <a:extLst>
                 <a:ext uri="{C572A759-6A51-4108-AA02-DFA0A04FC94B}">
-                  <ma14:wrappingTextBoxFlag xmlns:ma14="http://schemas.microsoft.com/office/mac/drawingml/2011/main" xmlns:a14="http://schemas.microsoft.com/office/drawing/2010/main" xmlns:m="http://schemas.openxmlformats.org/officeDocument/2006/math" xmlns="" val="1"/>
+                  <ma14:wrappingTextBoxFlag xmlns="" xmlns:m="http://schemas.openxmlformats.org/officeDocument/2006/math" xmlns:a14="http://schemas.microsoft.com/office/drawing/2010/main" xmlns:ma14="http://schemas.microsoft.com/office/mac/drawingml/2011/main" val="1"/>
                 </a:ext>
               </a:extLst>
             </p:spPr>
@@ -12847,7 +12847,7 @@
                 <a:effectLst/>
                 <a:extLst>
                   <a:ext uri="{C572A759-6A51-4108-AA02-DFA0A04FC94B}">
-                    <ma14:wrappingTextBoxFlag xmlns:ma14="http://schemas.microsoft.com/office/mac/drawingml/2011/main" xmlns:a14="http://schemas.microsoft.com/office/drawing/2010/main" xmlns:m="http://schemas.openxmlformats.org/officeDocument/2006/math" xmlns="" val="1"/>
+                    <ma14:wrappingTextBoxFlag xmlns="" xmlns:m="http://schemas.openxmlformats.org/officeDocument/2006/math" xmlns:a14="http://schemas.microsoft.com/office/drawing/2010/main" xmlns:ma14="http://schemas.microsoft.com/office/mac/drawingml/2011/main" val="1"/>
                   </a:ext>
                 </a:extLst>
               </p:spPr>
@@ -12898,7 +12898,7 @@
               <a:effectLst/>
               <a:extLst>
                 <a:ext uri="{C572A759-6A51-4108-AA02-DFA0A04FC94B}">
-                  <ma14:wrappingTextBoxFlag xmlns:ma14="http://schemas.microsoft.com/office/mac/drawingml/2011/main" xmlns:a14="http://schemas.microsoft.com/office/drawing/2010/main" xmlns:m="http://schemas.openxmlformats.org/officeDocument/2006/math" xmlns="" val="1"/>
+                  <ma14:wrappingTextBoxFlag xmlns="" xmlns:m="http://schemas.openxmlformats.org/officeDocument/2006/math" xmlns:a14="http://schemas.microsoft.com/office/drawing/2010/main" xmlns:ma14="http://schemas.microsoft.com/office/mac/drawingml/2011/main" val="1"/>
                 </a:ext>
               </a:extLst>
             </p:spPr>
@@ -13236,7 +13236,7 @@
                 <a:effectLst/>
                 <a:extLst>
                   <a:ext uri="{C572A759-6A51-4108-AA02-DFA0A04FC94B}">
-                    <ma14:wrappingTextBoxFlag xmlns:ma14="http://schemas.microsoft.com/office/mac/drawingml/2011/main" xmlns:a14="http://schemas.microsoft.com/office/drawing/2010/main" xmlns:m="http://schemas.openxmlformats.org/officeDocument/2006/math" xmlns="" val="1"/>
+                    <ma14:wrappingTextBoxFlag xmlns="" xmlns:m="http://schemas.openxmlformats.org/officeDocument/2006/math" xmlns:a14="http://schemas.microsoft.com/office/drawing/2010/main" xmlns:ma14="http://schemas.microsoft.com/office/mac/drawingml/2011/main" val="1"/>
                   </a:ext>
                 </a:extLst>
               </p:spPr>
@@ -14731,7 +14731,7 @@
           </a:ln>
           <a:extLst>
             <a:ext uri="{C572A759-6A51-4108-AA02-DFA0A04FC94B}">
-              <ma14:wrappingTextBoxFlag xmlns:ma14="http://schemas.microsoft.com/office/mac/drawingml/2011/main" xmlns:a14="http://schemas.microsoft.com/office/drawing/2010/main" xmlns:m="http://schemas.openxmlformats.org/officeDocument/2006/math" xmlns="" val="1"/>
+              <ma14:wrappingTextBoxFlag xmlns="" xmlns:m="http://schemas.openxmlformats.org/officeDocument/2006/math" xmlns:a14="http://schemas.microsoft.com/office/drawing/2010/main" xmlns:ma14="http://schemas.microsoft.com/office/mac/drawingml/2011/main" val="1"/>
             </a:ext>
           </a:extLst>
         </p:spPr>
@@ -14952,7 +14952,7 @@
               <a:effectLst/>
               <a:extLst>
                 <a:ext uri="{C572A759-6A51-4108-AA02-DFA0A04FC94B}">
-                  <ma14:wrappingTextBoxFlag xmlns:ma14="http://schemas.microsoft.com/office/mac/drawingml/2011/main" xmlns:a14="http://schemas.microsoft.com/office/drawing/2010/main" xmlns:m="http://schemas.openxmlformats.org/officeDocument/2006/math" xmlns="" val="1"/>
+                  <ma14:wrappingTextBoxFlag xmlns="" xmlns:m="http://schemas.openxmlformats.org/officeDocument/2006/math" xmlns:a14="http://schemas.microsoft.com/office/drawing/2010/main" xmlns:ma14="http://schemas.microsoft.com/office/mac/drawingml/2011/main" val="1"/>
                 </a:ext>
               </a:extLst>
             </p:spPr>
@@ -16461,7 +16461,7 @@
             <a:effectLst/>
             <a:extLst>
               <a:ext uri="{C572A759-6A51-4108-AA02-DFA0A04FC94B}">
-                <ma14:wrappingTextBoxFlag xmlns:ma14="http://schemas.microsoft.com/office/mac/drawingml/2011/main" xmlns:a14="http://schemas.microsoft.com/office/drawing/2010/main" xmlns:m="http://schemas.openxmlformats.org/officeDocument/2006/math" xmlns="" val="1"/>
+                <ma14:wrappingTextBoxFlag xmlns="" xmlns:m="http://schemas.openxmlformats.org/officeDocument/2006/math" xmlns:a14="http://schemas.microsoft.com/office/drawing/2010/main" xmlns:ma14="http://schemas.microsoft.com/office/mac/drawingml/2011/main" val="1"/>
               </a:ext>
             </a:extLst>
           </p:spPr>
@@ -16517,7 +16517,7 @@
             <a:effectLst/>
             <a:extLst>
               <a:ext uri="{C572A759-6A51-4108-AA02-DFA0A04FC94B}">
-                <ma14:wrappingTextBoxFlag xmlns:ma14="http://schemas.microsoft.com/office/mac/drawingml/2011/main" xmlns:a14="http://schemas.microsoft.com/office/drawing/2010/main" xmlns:m="http://schemas.openxmlformats.org/officeDocument/2006/math" xmlns="" val="1"/>
+                <ma14:wrappingTextBoxFlag xmlns="" xmlns:m="http://schemas.openxmlformats.org/officeDocument/2006/math" xmlns:a14="http://schemas.microsoft.com/office/drawing/2010/main" xmlns:ma14="http://schemas.microsoft.com/office/mac/drawingml/2011/main" val="1"/>
               </a:ext>
             </a:extLst>
           </p:spPr>
@@ -16573,7 +16573,7 @@
             <a:effectLst/>
             <a:extLst>
               <a:ext uri="{C572A759-6A51-4108-AA02-DFA0A04FC94B}">
-                <ma14:wrappingTextBoxFlag xmlns:ma14="http://schemas.microsoft.com/office/mac/drawingml/2011/main" xmlns:a14="http://schemas.microsoft.com/office/drawing/2010/main" xmlns:m="http://schemas.openxmlformats.org/officeDocument/2006/math" xmlns="" val="1"/>
+                <ma14:wrappingTextBoxFlag xmlns="" xmlns:m="http://schemas.openxmlformats.org/officeDocument/2006/math" xmlns:a14="http://schemas.microsoft.com/office/drawing/2010/main" xmlns:ma14="http://schemas.microsoft.com/office/mac/drawingml/2011/main" val="1"/>
               </a:ext>
             </a:extLst>
           </p:spPr>
@@ -16702,7 +16702,7 @@
               <a:effectLst/>
               <a:extLst>
                 <a:ext uri="{C572A759-6A51-4108-AA02-DFA0A04FC94B}">
-                  <ma14:wrappingTextBoxFlag xmlns:ma14="http://schemas.microsoft.com/office/mac/drawingml/2011/main" xmlns:a14="http://schemas.microsoft.com/office/drawing/2010/main" xmlns:m="http://schemas.openxmlformats.org/officeDocument/2006/math" xmlns="" val="1"/>
+                  <ma14:wrappingTextBoxFlag xmlns="" xmlns:m="http://schemas.openxmlformats.org/officeDocument/2006/math" xmlns:a14="http://schemas.microsoft.com/office/drawing/2010/main" xmlns:ma14="http://schemas.microsoft.com/office/mac/drawingml/2011/main" val="1"/>
                 </a:ext>
               </a:extLst>
             </p:spPr>
@@ -17033,7 +17033,7 @@
                 <a:effectLst/>
                 <a:extLst>
                   <a:ext uri="{C572A759-6A51-4108-AA02-DFA0A04FC94B}">
-                    <ma14:wrappingTextBoxFlag xmlns:ma14="http://schemas.microsoft.com/office/mac/drawingml/2011/main" xmlns:a14="http://schemas.microsoft.com/office/drawing/2010/main" xmlns:m="http://schemas.openxmlformats.org/officeDocument/2006/math" xmlns="" val="1"/>
+                    <ma14:wrappingTextBoxFlag xmlns="" xmlns:m="http://schemas.openxmlformats.org/officeDocument/2006/math" xmlns:a14="http://schemas.microsoft.com/office/drawing/2010/main" xmlns:ma14="http://schemas.microsoft.com/office/mac/drawingml/2011/main" val="1"/>
                   </a:ext>
                 </a:extLst>
               </p:spPr>
@@ -17084,7 +17084,7 @@
               <a:effectLst/>
               <a:extLst>
                 <a:ext uri="{C572A759-6A51-4108-AA02-DFA0A04FC94B}">
-                  <ma14:wrappingTextBoxFlag xmlns:ma14="http://schemas.microsoft.com/office/mac/drawingml/2011/main" xmlns:a14="http://schemas.microsoft.com/office/drawing/2010/main" xmlns:m="http://schemas.openxmlformats.org/officeDocument/2006/math" xmlns="" val="1"/>
+                  <ma14:wrappingTextBoxFlag xmlns="" xmlns:m="http://schemas.openxmlformats.org/officeDocument/2006/math" xmlns:a14="http://schemas.microsoft.com/office/drawing/2010/main" xmlns:ma14="http://schemas.microsoft.com/office/mac/drawingml/2011/main" val="1"/>
                 </a:ext>
               </a:extLst>
             </p:spPr>
@@ -17186,7 +17186,7 @@
                 <a:effectLst/>
                 <a:extLst>
                   <a:ext uri="{C572A759-6A51-4108-AA02-DFA0A04FC94B}">
-                    <ma14:wrappingTextBoxFlag xmlns:ma14="http://schemas.microsoft.com/office/mac/drawingml/2011/main" xmlns:a14="http://schemas.microsoft.com/office/drawing/2010/main" xmlns:m="http://schemas.openxmlformats.org/officeDocument/2006/math" xmlns="" val="1"/>
+                    <ma14:wrappingTextBoxFlag xmlns="" xmlns:m="http://schemas.openxmlformats.org/officeDocument/2006/math" xmlns:a14="http://schemas.microsoft.com/office/drawing/2010/main" xmlns:ma14="http://schemas.microsoft.com/office/mac/drawingml/2011/main" val="1"/>
                   </a:ext>
                 </a:extLst>
               </p:spPr>
@@ -17237,7 +17237,7 @@
               <a:effectLst/>
               <a:extLst>
                 <a:ext uri="{C572A759-6A51-4108-AA02-DFA0A04FC94B}">
-                  <ma14:wrappingTextBoxFlag xmlns:ma14="http://schemas.microsoft.com/office/mac/drawingml/2011/main" xmlns:a14="http://schemas.microsoft.com/office/drawing/2010/main" xmlns:m="http://schemas.openxmlformats.org/officeDocument/2006/math" xmlns="" val="1"/>
+                  <ma14:wrappingTextBoxFlag xmlns="" xmlns:m="http://schemas.openxmlformats.org/officeDocument/2006/math" xmlns:a14="http://schemas.microsoft.com/office/drawing/2010/main" xmlns:ma14="http://schemas.microsoft.com/office/mac/drawingml/2011/main" val="1"/>
                 </a:ext>
               </a:extLst>
             </p:spPr>
@@ -17338,7 +17338,7 @@
                 <a:effectLst/>
                 <a:extLst>
                   <a:ext uri="{C572A759-6A51-4108-AA02-DFA0A04FC94B}">
-                    <ma14:wrappingTextBoxFlag xmlns:ma14="http://schemas.microsoft.com/office/mac/drawingml/2011/main" xmlns:a14="http://schemas.microsoft.com/office/drawing/2010/main" xmlns:m="http://schemas.openxmlformats.org/officeDocument/2006/math" xmlns="" val="1"/>
+                    <ma14:wrappingTextBoxFlag xmlns="" xmlns:m="http://schemas.openxmlformats.org/officeDocument/2006/math" xmlns:a14="http://schemas.microsoft.com/office/drawing/2010/main" xmlns:ma14="http://schemas.microsoft.com/office/mac/drawingml/2011/main" val="1"/>
                   </a:ext>
                 </a:extLst>
               </p:spPr>
@@ -17389,7 +17389,7 @@
               <a:effectLst/>
               <a:extLst>
                 <a:ext uri="{C572A759-6A51-4108-AA02-DFA0A04FC94B}">
-                  <ma14:wrappingTextBoxFlag xmlns:ma14="http://schemas.microsoft.com/office/mac/drawingml/2011/main" xmlns:a14="http://schemas.microsoft.com/office/drawing/2010/main" xmlns:m="http://schemas.openxmlformats.org/officeDocument/2006/math" xmlns="" val="1"/>
+                  <ma14:wrappingTextBoxFlag xmlns="" xmlns:m="http://schemas.openxmlformats.org/officeDocument/2006/math" xmlns:a14="http://schemas.microsoft.com/office/drawing/2010/main" xmlns:ma14="http://schemas.microsoft.com/office/mac/drawingml/2011/main" val="1"/>
                 </a:ext>
               </a:extLst>
             </p:spPr>
@@ -17485,7 +17485,7 @@
                 <a:effectLst/>
                 <a:extLst>
                   <a:ext uri="{C572A759-6A51-4108-AA02-DFA0A04FC94B}">
-                    <ma14:wrappingTextBoxFlag xmlns:ma14="http://schemas.microsoft.com/office/mac/drawingml/2011/main" xmlns:a14="http://schemas.microsoft.com/office/drawing/2010/main" xmlns:m="http://schemas.openxmlformats.org/officeDocument/2006/math" xmlns="" val="1"/>
+                    <ma14:wrappingTextBoxFlag xmlns="" xmlns:m="http://schemas.openxmlformats.org/officeDocument/2006/math" xmlns:a14="http://schemas.microsoft.com/office/drawing/2010/main" xmlns:ma14="http://schemas.microsoft.com/office/mac/drawingml/2011/main" val="1"/>
                   </a:ext>
                 </a:extLst>
               </p:spPr>
@@ -17536,7 +17536,7 @@
               <a:effectLst/>
               <a:extLst>
                 <a:ext uri="{C572A759-6A51-4108-AA02-DFA0A04FC94B}">
-                  <ma14:wrappingTextBoxFlag xmlns:ma14="http://schemas.microsoft.com/office/mac/drawingml/2011/main" xmlns:a14="http://schemas.microsoft.com/office/drawing/2010/main" xmlns:m="http://schemas.openxmlformats.org/officeDocument/2006/math" xmlns="" val="1"/>
+                  <ma14:wrappingTextBoxFlag xmlns="" xmlns:m="http://schemas.openxmlformats.org/officeDocument/2006/math" xmlns:a14="http://schemas.microsoft.com/office/drawing/2010/main" xmlns:ma14="http://schemas.microsoft.com/office/mac/drawingml/2011/main" val="1"/>
                 </a:ext>
               </a:extLst>
             </p:spPr>
@@ -17636,7 +17636,7 @@
                 <a:effectLst/>
                 <a:extLst>
                   <a:ext uri="{C572A759-6A51-4108-AA02-DFA0A04FC94B}">
-                    <ma14:wrappingTextBoxFlag xmlns:ma14="http://schemas.microsoft.com/office/mac/drawingml/2011/main" xmlns:a14="http://schemas.microsoft.com/office/drawing/2010/main" xmlns:m="http://schemas.openxmlformats.org/officeDocument/2006/math" xmlns="" val="1"/>
+                    <ma14:wrappingTextBoxFlag xmlns="" xmlns:m="http://schemas.openxmlformats.org/officeDocument/2006/math" xmlns:a14="http://schemas.microsoft.com/office/drawing/2010/main" xmlns:ma14="http://schemas.microsoft.com/office/mac/drawingml/2011/main" val="1"/>
                   </a:ext>
                 </a:extLst>
               </p:spPr>
@@ -17687,7 +17687,7 @@
               <a:effectLst/>
               <a:extLst>
                 <a:ext uri="{C572A759-6A51-4108-AA02-DFA0A04FC94B}">
-                  <ma14:wrappingTextBoxFlag xmlns:ma14="http://schemas.microsoft.com/office/mac/drawingml/2011/main" xmlns:a14="http://schemas.microsoft.com/office/drawing/2010/main" xmlns:m="http://schemas.openxmlformats.org/officeDocument/2006/math" xmlns="" val="1"/>
+                  <ma14:wrappingTextBoxFlag xmlns="" xmlns:m="http://schemas.openxmlformats.org/officeDocument/2006/math" xmlns:a14="http://schemas.microsoft.com/office/drawing/2010/main" xmlns:ma14="http://schemas.microsoft.com/office/mac/drawingml/2011/main" val="1"/>
                 </a:ext>
               </a:extLst>
             </p:spPr>
@@ -17788,7 +17788,7 @@
                 <a:effectLst/>
                 <a:extLst>
                   <a:ext uri="{C572A759-6A51-4108-AA02-DFA0A04FC94B}">
-                    <ma14:wrappingTextBoxFlag xmlns:ma14="http://schemas.microsoft.com/office/mac/drawingml/2011/main" xmlns:a14="http://schemas.microsoft.com/office/drawing/2010/main" xmlns:m="http://schemas.openxmlformats.org/officeDocument/2006/math" xmlns="" val="1"/>
+                    <ma14:wrappingTextBoxFlag xmlns="" xmlns:m="http://schemas.openxmlformats.org/officeDocument/2006/math" xmlns:a14="http://schemas.microsoft.com/office/drawing/2010/main" xmlns:ma14="http://schemas.microsoft.com/office/mac/drawingml/2011/main" val="1"/>
                   </a:ext>
                 </a:extLst>
               </p:spPr>
@@ -17839,7 +17839,7 @@
               <a:effectLst/>
               <a:extLst>
                 <a:ext uri="{C572A759-6A51-4108-AA02-DFA0A04FC94B}">
-                  <ma14:wrappingTextBoxFlag xmlns:ma14="http://schemas.microsoft.com/office/mac/drawingml/2011/main" xmlns:a14="http://schemas.microsoft.com/office/drawing/2010/main" xmlns:m="http://schemas.openxmlformats.org/officeDocument/2006/math" xmlns="" val="1"/>
+                  <ma14:wrappingTextBoxFlag xmlns="" xmlns:m="http://schemas.openxmlformats.org/officeDocument/2006/math" xmlns:a14="http://schemas.microsoft.com/office/drawing/2010/main" xmlns:ma14="http://schemas.microsoft.com/office/mac/drawingml/2011/main" val="1"/>
                 </a:ext>
               </a:extLst>
             </p:spPr>
@@ -17940,7 +17940,7 @@
                 <a:effectLst/>
                 <a:extLst>
                   <a:ext uri="{C572A759-6A51-4108-AA02-DFA0A04FC94B}">
-                    <ma14:wrappingTextBoxFlag xmlns:ma14="http://schemas.microsoft.com/office/mac/drawingml/2011/main" xmlns:a14="http://schemas.microsoft.com/office/drawing/2010/main" xmlns:m="http://schemas.openxmlformats.org/officeDocument/2006/math" xmlns="" val="1"/>
+                    <ma14:wrappingTextBoxFlag xmlns="" xmlns:m="http://schemas.openxmlformats.org/officeDocument/2006/math" xmlns:a14="http://schemas.microsoft.com/office/drawing/2010/main" xmlns:ma14="http://schemas.microsoft.com/office/mac/drawingml/2011/main" val="1"/>
                   </a:ext>
                 </a:extLst>
               </p:spPr>
@@ -17991,7 +17991,7 @@
               <a:effectLst/>
               <a:extLst>
                 <a:ext uri="{C572A759-6A51-4108-AA02-DFA0A04FC94B}">
-                  <ma14:wrappingTextBoxFlag xmlns:ma14="http://schemas.microsoft.com/office/mac/drawingml/2011/main" xmlns:a14="http://schemas.microsoft.com/office/drawing/2010/main" xmlns:m="http://schemas.openxmlformats.org/officeDocument/2006/math" xmlns="" val="1"/>
+                  <ma14:wrappingTextBoxFlag xmlns="" xmlns:m="http://schemas.openxmlformats.org/officeDocument/2006/math" xmlns:a14="http://schemas.microsoft.com/office/drawing/2010/main" xmlns:ma14="http://schemas.microsoft.com/office/mac/drawingml/2011/main" val="1"/>
                 </a:ext>
               </a:extLst>
             </p:spPr>
@@ -18092,7 +18092,7 @@
                 <a:effectLst/>
                 <a:extLst>
                   <a:ext uri="{C572A759-6A51-4108-AA02-DFA0A04FC94B}">
-                    <ma14:wrappingTextBoxFlag xmlns:ma14="http://schemas.microsoft.com/office/mac/drawingml/2011/main" xmlns:a14="http://schemas.microsoft.com/office/drawing/2010/main" xmlns:m="http://schemas.openxmlformats.org/officeDocument/2006/math" xmlns="" val="1"/>
+                    <ma14:wrappingTextBoxFlag xmlns="" xmlns:m="http://schemas.openxmlformats.org/officeDocument/2006/math" xmlns:a14="http://schemas.microsoft.com/office/drawing/2010/main" xmlns:ma14="http://schemas.microsoft.com/office/mac/drawingml/2011/main" val="1"/>
                   </a:ext>
                 </a:extLst>
               </p:spPr>
@@ -18143,7 +18143,7 @@
               <a:effectLst/>
               <a:extLst>
                 <a:ext uri="{C572A759-6A51-4108-AA02-DFA0A04FC94B}">
-                  <ma14:wrappingTextBoxFlag xmlns:ma14="http://schemas.microsoft.com/office/mac/drawingml/2011/main" xmlns:a14="http://schemas.microsoft.com/office/drawing/2010/main" xmlns:m="http://schemas.openxmlformats.org/officeDocument/2006/math" xmlns="" val="1"/>
+                  <ma14:wrappingTextBoxFlag xmlns="" xmlns:m="http://schemas.openxmlformats.org/officeDocument/2006/math" xmlns:a14="http://schemas.microsoft.com/office/drawing/2010/main" xmlns:ma14="http://schemas.microsoft.com/office/mac/drawingml/2011/main" val="1"/>
                 </a:ext>
               </a:extLst>
             </p:spPr>
@@ -18242,7 +18242,7 @@
                 <a:effectLst/>
                 <a:extLst>
                   <a:ext uri="{C572A759-6A51-4108-AA02-DFA0A04FC94B}">
-                    <ma14:wrappingTextBoxFlag xmlns:ma14="http://schemas.microsoft.com/office/mac/drawingml/2011/main" xmlns:a14="http://schemas.microsoft.com/office/drawing/2010/main" xmlns:m="http://schemas.openxmlformats.org/officeDocument/2006/math" xmlns="" val="1"/>
+                    <ma14:wrappingTextBoxFlag xmlns="" xmlns:m="http://schemas.openxmlformats.org/officeDocument/2006/math" xmlns:a14="http://schemas.microsoft.com/office/drawing/2010/main" xmlns:ma14="http://schemas.microsoft.com/office/mac/drawingml/2011/main" val="1"/>
                   </a:ext>
                 </a:extLst>
               </p:spPr>
@@ -18293,7 +18293,7 @@
               <a:effectLst/>
               <a:extLst>
                 <a:ext uri="{C572A759-6A51-4108-AA02-DFA0A04FC94B}">
-                  <ma14:wrappingTextBoxFlag xmlns:ma14="http://schemas.microsoft.com/office/mac/drawingml/2011/main" xmlns:a14="http://schemas.microsoft.com/office/drawing/2010/main" xmlns:m="http://schemas.openxmlformats.org/officeDocument/2006/math" xmlns="" val="1"/>
+                  <ma14:wrappingTextBoxFlag xmlns="" xmlns:m="http://schemas.openxmlformats.org/officeDocument/2006/math" xmlns:a14="http://schemas.microsoft.com/office/drawing/2010/main" xmlns:ma14="http://schemas.microsoft.com/office/mac/drawingml/2011/main" val="1"/>
                 </a:ext>
               </a:extLst>
             </p:spPr>
@@ -18346,7 +18346,7 @@
             <a:effectLst/>
             <a:extLst>
               <a:ext uri="{C572A759-6A51-4108-AA02-DFA0A04FC94B}">
-                <ma14:wrappingTextBoxFlag xmlns:ma14="http://schemas.microsoft.com/office/mac/drawingml/2011/main" xmlns:a14="http://schemas.microsoft.com/office/drawing/2010/main" xmlns:m="http://schemas.openxmlformats.org/officeDocument/2006/math" xmlns="" val="1"/>
+                <ma14:wrappingTextBoxFlag xmlns="" xmlns:m="http://schemas.openxmlformats.org/officeDocument/2006/math" xmlns:a14="http://schemas.microsoft.com/office/drawing/2010/main" xmlns:ma14="http://schemas.microsoft.com/office/mac/drawingml/2011/main" val="1"/>
               </a:ext>
             </a:extLst>
           </p:spPr>
@@ -18548,7 +18548,7 @@
               <a:effectLst/>
               <a:extLst>
                 <a:ext uri="{C572A759-6A51-4108-AA02-DFA0A04FC94B}">
-                  <ma14:wrappingTextBoxFlag xmlns:ma14="http://schemas.microsoft.com/office/mac/drawingml/2011/main" xmlns:a14="http://schemas.microsoft.com/office/drawing/2010/main" xmlns:m="http://schemas.openxmlformats.org/officeDocument/2006/math" xmlns="" val="1"/>
+                  <ma14:wrappingTextBoxFlag xmlns="" xmlns:m="http://schemas.openxmlformats.org/officeDocument/2006/math" xmlns:a14="http://schemas.microsoft.com/office/drawing/2010/main" xmlns:ma14="http://schemas.microsoft.com/office/mac/drawingml/2011/main" val="1"/>
                 </a:ext>
               </a:extLst>
             </p:spPr>
@@ -18653,7 +18653,7 @@
               <a:effectLst/>
               <a:extLst>
                 <a:ext uri="{C572A759-6A51-4108-AA02-DFA0A04FC94B}">
-                  <ma14:wrappingTextBoxFlag xmlns:ma14="http://schemas.microsoft.com/office/mac/drawingml/2011/main" xmlns:a14="http://schemas.microsoft.com/office/drawing/2010/main" xmlns:m="http://schemas.openxmlformats.org/officeDocument/2006/math" xmlns="" val="1"/>
+                  <ma14:wrappingTextBoxFlag xmlns="" xmlns:m="http://schemas.openxmlformats.org/officeDocument/2006/math" xmlns:a14="http://schemas.microsoft.com/office/drawing/2010/main" xmlns:ma14="http://schemas.microsoft.com/office/mac/drawingml/2011/main" val="1"/>
                 </a:ext>
               </a:extLst>
             </p:spPr>
@@ -18704,7 +18704,7 @@
             <a:effectLst/>
             <a:extLst>
               <a:ext uri="{C572A759-6A51-4108-AA02-DFA0A04FC94B}">
-                <ma14:wrappingTextBoxFlag xmlns:ma14="http://schemas.microsoft.com/office/mac/drawingml/2011/main" xmlns:a14="http://schemas.microsoft.com/office/drawing/2010/main" xmlns:m="http://schemas.openxmlformats.org/officeDocument/2006/math" xmlns="" val="1"/>
+                <ma14:wrappingTextBoxFlag xmlns="" xmlns:m="http://schemas.openxmlformats.org/officeDocument/2006/math" xmlns:a14="http://schemas.microsoft.com/office/drawing/2010/main" xmlns:ma14="http://schemas.microsoft.com/office/mac/drawingml/2011/main" val="1"/>
               </a:ext>
             </a:extLst>
           </p:spPr>
@@ -18808,7 +18808,7 @@
               <a:effectLst/>
               <a:extLst>
                 <a:ext uri="{C572A759-6A51-4108-AA02-DFA0A04FC94B}">
-                  <ma14:wrappingTextBoxFlag xmlns:ma14="http://schemas.microsoft.com/office/mac/drawingml/2011/main" xmlns:a14="http://schemas.microsoft.com/office/drawing/2010/main" xmlns:m="http://schemas.openxmlformats.org/officeDocument/2006/math" xmlns="" val="1"/>
+                  <ma14:wrappingTextBoxFlag xmlns="" xmlns:m="http://schemas.openxmlformats.org/officeDocument/2006/math" xmlns:a14="http://schemas.microsoft.com/office/drawing/2010/main" xmlns:ma14="http://schemas.microsoft.com/office/mac/drawingml/2011/main" val="1"/>
                 </a:ext>
               </a:extLst>
             </p:spPr>
@@ -18859,7 +18859,7 @@
             <a:effectLst/>
             <a:extLst>
               <a:ext uri="{C572A759-6A51-4108-AA02-DFA0A04FC94B}">
-                <ma14:wrappingTextBoxFlag xmlns:ma14="http://schemas.microsoft.com/office/mac/drawingml/2011/main" xmlns:a14="http://schemas.microsoft.com/office/drawing/2010/main" xmlns:m="http://schemas.openxmlformats.org/officeDocument/2006/math" xmlns="" val="1"/>
+                <ma14:wrappingTextBoxFlag xmlns="" xmlns:m="http://schemas.openxmlformats.org/officeDocument/2006/math" xmlns:a14="http://schemas.microsoft.com/office/drawing/2010/main" xmlns:ma14="http://schemas.microsoft.com/office/mac/drawingml/2011/main" val="1"/>
               </a:ext>
             </a:extLst>
           </p:spPr>
@@ -19073,7 +19073,7 @@
               <a:effectLst/>
               <a:extLst>
                 <a:ext uri="{C572A759-6A51-4108-AA02-DFA0A04FC94B}">
-                  <ma14:wrappingTextBoxFlag xmlns:ma14="http://schemas.microsoft.com/office/mac/drawingml/2011/main" xmlns:a14="http://schemas.microsoft.com/office/drawing/2010/main" xmlns:m="http://schemas.openxmlformats.org/officeDocument/2006/math" xmlns="" val="1"/>
+                  <ma14:wrappingTextBoxFlag xmlns="" xmlns:m="http://schemas.openxmlformats.org/officeDocument/2006/math" xmlns:a14="http://schemas.microsoft.com/office/drawing/2010/main" xmlns:ma14="http://schemas.microsoft.com/office/mac/drawingml/2011/main" val="1"/>
                 </a:ext>
               </a:extLst>
             </p:spPr>
@@ -19178,7 +19178,7 @@
               <a:effectLst/>
               <a:extLst>
                 <a:ext uri="{C572A759-6A51-4108-AA02-DFA0A04FC94B}">
-                  <ma14:wrappingTextBoxFlag xmlns:ma14="http://schemas.microsoft.com/office/mac/drawingml/2011/main" xmlns:a14="http://schemas.microsoft.com/office/drawing/2010/main" xmlns:m="http://schemas.openxmlformats.org/officeDocument/2006/math" xmlns="" val="1"/>
+                  <ma14:wrappingTextBoxFlag xmlns="" xmlns:m="http://schemas.openxmlformats.org/officeDocument/2006/math" xmlns:a14="http://schemas.microsoft.com/office/drawing/2010/main" xmlns:ma14="http://schemas.microsoft.com/office/mac/drawingml/2011/main" val="1"/>
                 </a:ext>
               </a:extLst>
             </p:spPr>
@@ -19229,7 +19229,7 @@
             <a:effectLst/>
             <a:extLst>
               <a:ext uri="{C572A759-6A51-4108-AA02-DFA0A04FC94B}">
-                <ma14:wrappingTextBoxFlag xmlns:ma14="http://schemas.microsoft.com/office/mac/drawingml/2011/main" xmlns:a14="http://schemas.microsoft.com/office/drawing/2010/main" xmlns:m="http://schemas.openxmlformats.org/officeDocument/2006/math" xmlns="" val="1"/>
+                <ma14:wrappingTextBoxFlag xmlns="" xmlns:m="http://schemas.openxmlformats.org/officeDocument/2006/math" xmlns:a14="http://schemas.microsoft.com/office/drawing/2010/main" xmlns:ma14="http://schemas.microsoft.com/office/mac/drawingml/2011/main" val="1"/>
               </a:ext>
             </a:extLst>
           </p:spPr>
@@ -19333,7 +19333,7 @@
               <a:effectLst/>
               <a:extLst>
                 <a:ext uri="{C572A759-6A51-4108-AA02-DFA0A04FC94B}">
-                  <ma14:wrappingTextBoxFlag xmlns:ma14="http://schemas.microsoft.com/office/mac/drawingml/2011/main" xmlns:a14="http://schemas.microsoft.com/office/drawing/2010/main" xmlns:m="http://schemas.openxmlformats.org/officeDocument/2006/math" xmlns="" val="1"/>
+                  <ma14:wrappingTextBoxFlag xmlns="" xmlns:m="http://schemas.openxmlformats.org/officeDocument/2006/math" xmlns:a14="http://schemas.microsoft.com/office/drawing/2010/main" xmlns:ma14="http://schemas.microsoft.com/office/mac/drawingml/2011/main" val="1"/>
                 </a:ext>
               </a:extLst>
             </p:spPr>
@@ -19384,7 +19384,7 @@
             <a:effectLst/>
             <a:extLst>
               <a:ext uri="{C572A759-6A51-4108-AA02-DFA0A04FC94B}">
-                <ma14:wrappingTextBoxFlag xmlns:ma14="http://schemas.microsoft.com/office/mac/drawingml/2011/main" xmlns:a14="http://schemas.microsoft.com/office/drawing/2010/main" xmlns:m="http://schemas.openxmlformats.org/officeDocument/2006/math" xmlns="" val="1"/>
+                <ma14:wrappingTextBoxFlag xmlns="" xmlns:m="http://schemas.openxmlformats.org/officeDocument/2006/math" xmlns:a14="http://schemas.microsoft.com/office/drawing/2010/main" xmlns:ma14="http://schemas.microsoft.com/office/mac/drawingml/2011/main" val="1"/>
               </a:ext>
             </a:extLst>
           </p:spPr>
@@ -19860,7 +19860,7 @@
           </a:ln>
           <a:extLst>
             <a:ext uri="{C572A759-6A51-4108-AA02-DFA0A04FC94B}">
-              <ma14:wrappingTextBoxFlag xmlns:ma14="http://schemas.microsoft.com/office/mac/drawingml/2011/main" xmlns:a14="http://schemas.microsoft.com/office/drawing/2010/main" xmlns:m="http://schemas.openxmlformats.org/officeDocument/2006/math" xmlns="" val="1"/>
+              <ma14:wrappingTextBoxFlag xmlns="" xmlns:m="http://schemas.openxmlformats.org/officeDocument/2006/math" xmlns:a14="http://schemas.microsoft.com/office/drawing/2010/main" xmlns:ma14="http://schemas.microsoft.com/office/mac/drawingml/2011/main" val="1"/>
             </a:ext>
           </a:extLst>
         </p:spPr>
@@ -19944,7 +19944,7 @@
           </a:ln>
           <a:extLst>
             <a:ext uri="{C572A759-6A51-4108-AA02-DFA0A04FC94B}">
-              <ma14:wrappingTextBoxFlag xmlns:ma14="http://schemas.microsoft.com/office/mac/drawingml/2011/main" xmlns:a14="http://schemas.microsoft.com/office/drawing/2010/main" xmlns:m="http://schemas.openxmlformats.org/officeDocument/2006/math" xmlns="" val="1"/>
+              <ma14:wrappingTextBoxFlag xmlns="" xmlns:m="http://schemas.openxmlformats.org/officeDocument/2006/math" xmlns:a14="http://schemas.microsoft.com/office/drawing/2010/main" xmlns:ma14="http://schemas.microsoft.com/office/mac/drawingml/2011/main" val="1"/>
             </a:ext>
           </a:extLst>
         </p:spPr>
@@ -20172,7 +20172,7 @@
           </a:ln>
           <a:extLst>
             <a:ext uri="{C572A759-6A51-4108-AA02-DFA0A04FC94B}">
-              <ma14:wrappingTextBoxFlag xmlns:ma14="http://schemas.microsoft.com/office/mac/drawingml/2011/main" xmlns:a14="http://schemas.microsoft.com/office/drawing/2010/main" xmlns:m="http://schemas.openxmlformats.org/officeDocument/2006/math" xmlns="" val="1"/>
+              <ma14:wrappingTextBoxFlag xmlns="" xmlns:m="http://schemas.openxmlformats.org/officeDocument/2006/math" xmlns:a14="http://schemas.microsoft.com/office/drawing/2010/main" xmlns:ma14="http://schemas.microsoft.com/office/mac/drawingml/2011/main" val="1"/>
             </a:ext>
           </a:extLst>
         </p:spPr>
@@ -20222,7 +20222,7 @@
           </a:ln>
           <a:extLst>
             <a:ext uri="{C572A759-6A51-4108-AA02-DFA0A04FC94B}">
-              <ma14:wrappingTextBoxFlag xmlns:ma14="http://schemas.microsoft.com/office/mac/drawingml/2011/main" xmlns:a14="http://schemas.microsoft.com/office/drawing/2010/main" xmlns:m="http://schemas.openxmlformats.org/officeDocument/2006/math" xmlns="" val="1"/>
+              <ma14:wrappingTextBoxFlag xmlns="" xmlns:m="http://schemas.openxmlformats.org/officeDocument/2006/math" xmlns:a14="http://schemas.microsoft.com/office/drawing/2010/main" xmlns:ma14="http://schemas.microsoft.com/office/mac/drawingml/2011/main" val="1"/>
             </a:ext>
           </a:extLst>
         </p:spPr>
@@ -20272,7 +20272,7 @@
           </a:ln>
           <a:extLst>
             <a:ext uri="{C572A759-6A51-4108-AA02-DFA0A04FC94B}">
-              <ma14:wrappingTextBoxFlag xmlns:ma14="http://schemas.microsoft.com/office/mac/drawingml/2011/main" xmlns:a14="http://schemas.microsoft.com/office/drawing/2010/main" xmlns:m="http://schemas.openxmlformats.org/officeDocument/2006/math" xmlns="" val="1"/>
+              <ma14:wrappingTextBoxFlag xmlns="" xmlns:m="http://schemas.openxmlformats.org/officeDocument/2006/math" xmlns:a14="http://schemas.microsoft.com/office/drawing/2010/main" xmlns:ma14="http://schemas.microsoft.com/office/mac/drawingml/2011/main" val="1"/>
             </a:ext>
           </a:extLst>
         </p:spPr>
@@ -20323,7 +20323,7 @@
           </a:ln>
           <a:extLst>
             <a:ext uri="{C572A759-6A51-4108-AA02-DFA0A04FC94B}">
-              <ma14:wrappingTextBoxFlag xmlns:ma14="http://schemas.microsoft.com/office/mac/drawingml/2011/main" xmlns:a14="http://schemas.microsoft.com/office/drawing/2010/main" xmlns:m="http://schemas.openxmlformats.org/officeDocument/2006/math" xmlns="" val="1"/>
+              <ma14:wrappingTextBoxFlag xmlns="" xmlns:m="http://schemas.openxmlformats.org/officeDocument/2006/math" xmlns:a14="http://schemas.microsoft.com/office/drawing/2010/main" xmlns:ma14="http://schemas.microsoft.com/office/mac/drawingml/2011/main" val="1"/>
             </a:ext>
           </a:extLst>
         </p:spPr>
@@ -20478,7 +20478,7 @@
             <a:effectLst/>
             <a:extLst>
               <a:ext uri="{C572A759-6A51-4108-AA02-DFA0A04FC94B}">
-                <ma14:wrappingTextBoxFlag xmlns:ma14="http://schemas.microsoft.com/office/mac/drawingml/2011/main" xmlns:a14="http://schemas.microsoft.com/office/drawing/2010/main" xmlns:m="http://schemas.openxmlformats.org/officeDocument/2006/math" xmlns="" val="1"/>
+                <ma14:wrappingTextBoxFlag xmlns="" xmlns:m="http://schemas.openxmlformats.org/officeDocument/2006/math" xmlns:a14="http://schemas.microsoft.com/office/drawing/2010/main" xmlns:ma14="http://schemas.microsoft.com/office/mac/drawingml/2011/main" val="1"/>
               </a:ext>
             </a:extLst>
           </p:spPr>
@@ -20525,7 +20525,7 @@
             <a:effectLst/>
             <a:extLst>
               <a:ext uri="{C572A759-6A51-4108-AA02-DFA0A04FC94B}">
-                <ma14:wrappingTextBoxFlag xmlns:ma14="http://schemas.microsoft.com/office/mac/drawingml/2011/main" xmlns:a14="http://schemas.microsoft.com/office/drawing/2010/main" xmlns:m="http://schemas.openxmlformats.org/officeDocument/2006/math" xmlns="" val="1"/>
+                <ma14:wrappingTextBoxFlag xmlns="" xmlns:m="http://schemas.openxmlformats.org/officeDocument/2006/math" xmlns:a14="http://schemas.microsoft.com/office/drawing/2010/main" xmlns:ma14="http://schemas.microsoft.com/office/mac/drawingml/2011/main" val="1"/>
               </a:ext>
             </a:extLst>
           </p:spPr>
@@ -20572,7 +20572,7 @@
             <a:effectLst/>
             <a:extLst>
               <a:ext uri="{C572A759-6A51-4108-AA02-DFA0A04FC94B}">
-                <ma14:wrappingTextBoxFlag xmlns:ma14="http://schemas.microsoft.com/office/mac/drawingml/2011/main" xmlns:a14="http://schemas.microsoft.com/office/drawing/2010/main" xmlns:m="http://schemas.openxmlformats.org/officeDocument/2006/math" xmlns="" val="1"/>
+                <ma14:wrappingTextBoxFlag xmlns="" xmlns:m="http://schemas.openxmlformats.org/officeDocument/2006/math" xmlns:a14="http://schemas.microsoft.com/office/drawing/2010/main" xmlns:ma14="http://schemas.microsoft.com/office/mac/drawingml/2011/main" val="1"/>
               </a:ext>
             </a:extLst>
           </p:spPr>
@@ -20914,7 +20914,7 @@
             <a:effectLst/>
             <a:extLst>
               <a:ext uri="{C572A759-6A51-4108-AA02-DFA0A04FC94B}">
-                <ma14:wrappingTextBoxFlag xmlns:ma14="http://schemas.microsoft.com/office/mac/drawingml/2011/main" xmlns:a14="http://schemas.microsoft.com/office/drawing/2010/main" xmlns:m="http://schemas.openxmlformats.org/officeDocument/2006/math" xmlns="" val="1"/>
+                <ma14:wrappingTextBoxFlag xmlns="" xmlns:m="http://schemas.openxmlformats.org/officeDocument/2006/math" xmlns:a14="http://schemas.microsoft.com/office/drawing/2010/main" xmlns:ma14="http://schemas.microsoft.com/office/mac/drawingml/2011/main" val="1"/>
               </a:ext>
             </a:extLst>
           </p:spPr>
@@ -21015,7 +21015,7 @@
             <a:effectLst/>
             <a:extLst>
               <a:ext uri="{C572A759-6A51-4108-AA02-DFA0A04FC94B}">
-                <ma14:wrappingTextBoxFlag xmlns:ma14="http://schemas.microsoft.com/office/mac/drawingml/2011/main" xmlns:a14="http://schemas.microsoft.com/office/drawing/2010/main" xmlns:m="http://schemas.openxmlformats.org/officeDocument/2006/math" xmlns="" val="1"/>
+                <ma14:wrappingTextBoxFlag xmlns="" xmlns:m="http://schemas.openxmlformats.org/officeDocument/2006/math" xmlns:a14="http://schemas.microsoft.com/office/drawing/2010/main" xmlns:ma14="http://schemas.microsoft.com/office/mac/drawingml/2011/main" val="1"/>
               </a:ext>
             </a:extLst>
           </p:spPr>
@@ -21123,7 +21123,7 @@
               <a:effectLst/>
               <a:extLst>
                 <a:ext uri="{C572A759-6A51-4108-AA02-DFA0A04FC94B}">
-                  <ma14:wrappingTextBoxFlag xmlns:ma14="http://schemas.microsoft.com/office/mac/drawingml/2011/main" xmlns:a14="http://schemas.microsoft.com/office/drawing/2010/main" xmlns:m="http://schemas.openxmlformats.org/officeDocument/2006/math" xmlns="" val="1"/>
+                  <ma14:wrappingTextBoxFlag xmlns="" xmlns:m="http://schemas.openxmlformats.org/officeDocument/2006/math" xmlns:a14="http://schemas.microsoft.com/office/drawing/2010/main" xmlns:ma14="http://schemas.microsoft.com/office/mac/drawingml/2011/main" val="1"/>
                 </a:ext>
               </a:extLst>
             </p:spPr>
@@ -22048,7 +22048,7 @@
               <a:effectLst/>
               <a:extLst>
                 <a:ext uri="{C572A759-6A51-4108-AA02-DFA0A04FC94B}">
-                  <ma14:wrappingTextBoxFlag xmlns:ma14="http://schemas.microsoft.com/office/mac/drawingml/2011/main" xmlns:a14="http://schemas.microsoft.com/office/drawing/2010/main" xmlns:m="http://schemas.openxmlformats.org/officeDocument/2006/math" xmlns="" val="1"/>
+                  <ma14:wrappingTextBoxFlag xmlns="" xmlns:m="http://schemas.openxmlformats.org/officeDocument/2006/math" xmlns:a14="http://schemas.microsoft.com/office/drawing/2010/main" xmlns:ma14="http://schemas.microsoft.com/office/mac/drawingml/2011/main" val="1"/>
                 </a:ext>
               </a:extLst>
             </p:spPr>
@@ -22168,7 +22168,7 @@
             <a:effectLst/>
             <a:extLst>
               <a:ext uri="{C572A759-6A51-4108-AA02-DFA0A04FC94B}">
-                <ma14:wrappingTextBoxFlag xmlns:ma14="http://schemas.microsoft.com/office/mac/drawingml/2011/main" xmlns:a14="http://schemas.microsoft.com/office/drawing/2010/main" xmlns:m="http://schemas.openxmlformats.org/officeDocument/2006/math" xmlns="" val="1"/>
+                <ma14:wrappingTextBoxFlag xmlns="" xmlns:m="http://schemas.openxmlformats.org/officeDocument/2006/math" xmlns:a14="http://schemas.microsoft.com/office/drawing/2010/main" xmlns:ma14="http://schemas.microsoft.com/office/mac/drawingml/2011/main" val="1"/>
               </a:ext>
             </a:extLst>
           </p:spPr>
@@ -22215,7 +22215,7 @@
             <a:effectLst/>
             <a:extLst>
               <a:ext uri="{C572A759-6A51-4108-AA02-DFA0A04FC94B}">
-                <ma14:wrappingTextBoxFlag xmlns:ma14="http://schemas.microsoft.com/office/mac/drawingml/2011/main" xmlns:a14="http://schemas.microsoft.com/office/drawing/2010/main" xmlns:m="http://schemas.openxmlformats.org/officeDocument/2006/math" xmlns="" val="1"/>
+                <ma14:wrappingTextBoxFlag xmlns="" xmlns:m="http://schemas.openxmlformats.org/officeDocument/2006/math" xmlns:a14="http://schemas.microsoft.com/office/drawing/2010/main" xmlns:ma14="http://schemas.microsoft.com/office/mac/drawingml/2011/main" val="1"/>
               </a:ext>
             </a:extLst>
           </p:spPr>
@@ -22320,7 +22320,7 @@
               <a:effectLst/>
               <a:extLst>
                 <a:ext uri="{C572A759-6A51-4108-AA02-DFA0A04FC94B}">
-                  <ma14:wrappingTextBoxFlag xmlns:ma14="http://schemas.microsoft.com/office/mac/drawingml/2011/main" xmlns:a14="http://schemas.microsoft.com/office/drawing/2010/main" xmlns:m="http://schemas.openxmlformats.org/officeDocument/2006/math" xmlns="" val="1"/>
+                  <ma14:wrappingTextBoxFlag xmlns="" xmlns:m="http://schemas.openxmlformats.org/officeDocument/2006/math" xmlns:a14="http://schemas.microsoft.com/office/drawing/2010/main" xmlns:ma14="http://schemas.microsoft.com/office/mac/drawingml/2011/main" val="1"/>
                 </a:ext>
               </a:extLst>
             </p:spPr>
@@ -22541,7 +22541,7 @@
           </a:ln>
           <a:extLst>
             <a:ext uri="{C572A759-6A51-4108-AA02-DFA0A04FC94B}">
-              <ma14:wrappingTextBoxFlag xmlns:ma14="http://schemas.microsoft.com/office/mac/drawingml/2011/main" xmlns:a14="http://schemas.microsoft.com/office/drawing/2010/main" xmlns:m="http://schemas.openxmlformats.org/officeDocument/2006/math" xmlns="" val="1"/>
+              <ma14:wrappingTextBoxFlag xmlns="" xmlns:m="http://schemas.openxmlformats.org/officeDocument/2006/math" xmlns:a14="http://schemas.microsoft.com/office/drawing/2010/main" xmlns:ma14="http://schemas.microsoft.com/office/mac/drawingml/2011/main" val="1"/>
             </a:ext>
           </a:extLst>
         </p:spPr>
@@ -22655,7 +22655,7 @@
             <a:effectLst/>
             <a:extLst>
               <a:ext uri="{C572A759-6A51-4108-AA02-DFA0A04FC94B}">
-                <ma14:wrappingTextBoxFlag xmlns:ma14="http://schemas.microsoft.com/office/mac/drawingml/2011/main" xmlns:a14="http://schemas.microsoft.com/office/drawing/2010/main" xmlns:m="http://schemas.openxmlformats.org/officeDocument/2006/math" xmlns="" val="1"/>
+                <ma14:wrappingTextBoxFlag xmlns="" xmlns:m="http://schemas.openxmlformats.org/officeDocument/2006/math" xmlns:a14="http://schemas.microsoft.com/office/drawing/2010/main" xmlns:ma14="http://schemas.microsoft.com/office/mac/drawingml/2011/main" val="1"/>
               </a:ext>
             </a:extLst>
           </p:spPr>
@@ -23324,7 +23324,7 @@
             <a:effectLst/>
             <a:extLst>
               <a:ext uri="{C572A759-6A51-4108-AA02-DFA0A04FC94B}">
-                <ma14:wrappingTextBoxFlag xmlns:ma14="http://schemas.microsoft.com/office/mac/drawingml/2011/main" xmlns:a14="http://schemas.microsoft.com/office/drawing/2010/main" xmlns:m="http://schemas.openxmlformats.org/officeDocument/2006/math" xmlns="" val="1"/>
+                <ma14:wrappingTextBoxFlag xmlns="" xmlns:m="http://schemas.openxmlformats.org/officeDocument/2006/math" xmlns:a14="http://schemas.microsoft.com/office/drawing/2010/main" xmlns:ma14="http://schemas.microsoft.com/office/mac/drawingml/2011/main" val="1"/>
               </a:ext>
             </a:extLst>
           </p:spPr>
@@ -23445,7 +23445,7 @@
             <a:effectLst/>
             <a:extLst>
               <a:ext uri="{C572A759-6A51-4108-AA02-DFA0A04FC94B}">
-                <ma14:wrappingTextBoxFlag xmlns:ma14="http://schemas.microsoft.com/office/mac/drawingml/2011/main" xmlns:a14="http://schemas.microsoft.com/office/drawing/2010/main" xmlns:m="http://schemas.openxmlformats.org/officeDocument/2006/math" xmlns="" val="1"/>
+                <ma14:wrappingTextBoxFlag xmlns="" xmlns:m="http://schemas.openxmlformats.org/officeDocument/2006/math" xmlns:a14="http://schemas.microsoft.com/office/drawing/2010/main" xmlns:ma14="http://schemas.microsoft.com/office/mac/drawingml/2011/main" val="1"/>
               </a:ext>
             </a:extLst>
           </p:spPr>
@@ -23566,7 +23566,7 @@
             <a:effectLst/>
             <a:extLst>
               <a:ext uri="{C572A759-6A51-4108-AA02-DFA0A04FC94B}">
-                <ma14:wrappingTextBoxFlag xmlns:ma14="http://schemas.microsoft.com/office/mac/drawingml/2011/main" xmlns:a14="http://schemas.microsoft.com/office/drawing/2010/main" xmlns:m="http://schemas.openxmlformats.org/officeDocument/2006/math" xmlns="" val="1"/>
+                <ma14:wrappingTextBoxFlag xmlns="" xmlns:m="http://schemas.openxmlformats.org/officeDocument/2006/math" xmlns:a14="http://schemas.microsoft.com/office/drawing/2010/main" xmlns:ma14="http://schemas.microsoft.com/office/mac/drawingml/2011/main" val="1"/>
               </a:ext>
             </a:extLst>
           </p:spPr>
@@ -23687,7 +23687,7 @@
             <a:effectLst/>
             <a:extLst>
               <a:ext uri="{C572A759-6A51-4108-AA02-DFA0A04FC94B}">
-                <ma14:wrappingTextBoxFlag xmlns:ma14="http://schemas.microsoft.com/office/mac/drawingml/2011/main" xmlns:a14="http://schemas.microsoft.com/office/drawing/2010/main" xmlns:m="http://schemas.openxmlformats.org/officeDocument/2006/math" xmlns="" val="1"/>
+                <ma14:wrappingTextBoxFlag xmlns="" xmlns:m="http://schemas.openxmlformats.org/officeDocument/2006/math" xmlns:a14="http://schemas.microsoft.com/office/drawing/2010/main" xmlns:ma14="http://schemas.microsoft.com/office/mac/drawingml/2011/main" val="1"/>
               </a:ext>
             </a:extLst>
           </p:spPr>
@@ -23808,7 +23808,7 @@
             <a:effectLst/>
             <a:extLst>
               <a:ext uri="{C572A759-6A51-4108-AA02-DFA0A04FC94B}">
-                <ma14:wrappingTextBoxFlag xmlns:ma14="http://schemas.microsoft.com/office/mac/drawingml/2011/main" xmlns:a14="http://schemas.microsoft.com/office/drawing/2010/main" xmlns:m="http://schemas.openxmlformats.org/officeDocument/2006/math" xmlns="" val="1"/>
+                <ma14:wrappingTextBoxFlag xmlns="" xmlns:m="http://schemas.openxmlformats.org/officeDocument/2006/math" xmlns:a14="http://schemas.microsoft.com/office/drawing/2010/main" xmlns:ma14="http://schemas.microsoft.com/office/mac/drawingml/2011/main" val="1"/>
               </a:ext>
             </a:extLst>
           </p:spPr>
@@ -23929,7 +23929,7 @@
             <a:effectLst/>
             <a:extLst>
               <a:ext uri="{C572A759-6A51-4108-AA02-DFA0A04FC94B}">
-                <ma14:wrappingTextBoxFlag xmlns:ma14="http://schemas.microsoft.com/office/mac/drawingml/2011/main" xmlns:a14="http://schemas.microsoft.com/office/drawing/2010/main" xmlns:m="http://schemas.openxmlformats.org/officeDocument/2006/math" xmlns="" val="1"/>
+                <ma14:wrappingTextBoxFlag xmlns="" xmlns:m="http://schemas.openxmlformats.org/officeDocument/2006/math" xmlns:a14="http://schemas.microsoft.com/office/drawing/2010/main" xmlns:ma14="http://schemas.microsoft.com/office/mac/drawingml/2011/main" val="1"/>
               </a:ext>
             </a:extLst>
           </p:spPr>
@@ -24050,7 +24050,7 @@
             <a:effectLst/>
             <a:extLst>
               <a:ext uri="{C572A759-6A51-4108-AA02-DFA0A04FC94B}">
-                <ma14:wrappingTextBoxFlag xmlns:ma14="http://schemas.microsoft.com/office/mac/drawingml/2011/main" xmlns:a14="http://schemas.microsoft.com/office/drawing/2010/main" xmlns:m="http://schemas.openxmlformats.org/officeDocument/2006/math" xmlns="" val="1"/>
+                <ma14:wrappingTextBoxFlag xmlns="" xmlns:m="http://schemas.openxmlformats.org/officeDocument/2006/math" xmlns:a14="http://schemas.microsoft.com/office/drawing/2010/main" xmlns:ma14="http://schemas.microsoft.com/office/mac/drawingml/2011/main" val="1"/>
               </a:ext>
             </a:extLst>
           </p:spPr>
@@ -24171,7 +24171,7 @@
             <a:effectLst/>
             <a:extLst>
               <a:ext uri="{C572A759-6A51-4108-AA02-DFA0A04FC94B}">
-                <ma14:wrappingTextBoxFlag xmlns:ma14="http://schemas.microsoft.com/office/mac/drawingml/2011/main" xmlns:a14="http://schemas.microsoft.com/office/drawing/2010/main" xmlns:m="http://schemas.openxmlformats.org/officeDocument/2006/math" xmlns="" val="1"/>
+                <ma14:wrappingTextBoxFlag xmlns="" xmlns:m="http://schemas.openxmlformats.org/officeDocument/2006/math" xmlns:a14="http://schemas.microsoft.com/office/drawing/2010/main" xmlns:ma14="http://schemas.microsoft.com/office/mac/drawingml/2011/main" val="1"/>
               </a:ext>
             </a:extLst>
           </p:spPr>
@@ -24292,7 +24292,7 @@
             <a:effectLst/>
             <a:extLst>
               <a:ext uri="{C572A759-6A51-4108-AA02-DFA0A04FC94B}">
-                <ma14:wrappingTextBoxFlag xmlns:ma14="http://schemas.microsoft.com/office/mac/drawingml/2011/main" xmlns:a14="http://schemas.microsoft.com/office/drawing/2010/main" xmlns:m="http://schemas.openxmlformats.org/officeDocument/2006/math" xmlns="" val="1"/>
+                <ma14:wrappingTextBoxFlag xmlns="" xmlns:m="http://schemas.openxmlformats.org/officeDocument/2006/math" xmlns:a14="http://schemas.microsoft.com/office/drawing/2010/main" xmlns:ma14="http://schemas.microsoft.com/office/mac/drawingml/2011/main" val="1"/>
               </a:ext>
             </a:extLst>
           </p:spPr>
@@ -25926,7 +25926,7 @@
                 <a:effectLst/>
                 <a:extLst>
                   <a:ext uri="{C572A759-6A51-4108-AA02-DFA0A04FC94B}">
-                    <ma14:wrappingTextBoxFlag xmlns:ma14="http://schemas.microsoft.com/office/mac/drawingml/2011/main" xmlns:a14="http://schemas.microsoft.com/office/drawing/2010/main" xmlns:m="http://schemas.openxmlformats.org/officeDocument/2006/math" xmlns="" val="1"/>
+                    <ma14:wrappingTextBoxFlag xmlns="" xmlns:m="http://schemas.openxmlformats.org/officeDocument/2006/math" xmlns:a14="http://schemas.microsoft.com/office/drawing/2010/main" xmlns:ma14="http://schemas.microsoft.com/office/mac/drawingml/2011/main" val="1"/>
                   </a:ext>
                 </a:extLst>
               </p:spPr>
@@ -26031,7 +26031,7 @@
                 <a:effectLst/>
                 <a:extLst>
                   <a:ext uri="{C572A759-6A51-4108-AA02-DFA0A04FC94B}">
-                    <ma14:wrappingTextBoxFlag xmlns:ma14="http://schemas.microsoft.com/office/mac/drawingml/2011/main" xmlns:a14="http://schemas.microsoft.com/office/drawing/2010/main" xmlns:m="http://schemas.openxmlformats.org/officeDocument/2006/math" xmlns="" val="1"/>
+                    <ma14:wrappingTextBoxFlag xmlns="" xmlns:m="http://schemas.openxmlformats.org/officeDocument/2006/math" xmlns:a14="http://schemas.microsoft.com/office/drawing/2010/main" xmlns:ma14="http://schemas.microsoft.com/office/mac/drawingml/2011/main" val="1"/>
                   </a:ext>
                 </a:extLst>
               </p:spPr>
@@ -26082,7 +26082,7 @@
               <a:effectLst/>
               <a:extLst>
                 <a:ext uri="{C572A759-6A51-4108-AA02-DFA0A04FC94B}">
-                  <ma14:wrappingTextBoxFlag xmlns:ma14="http://schemas.microsoft.com/office/mac/drawingml/2011/main" xmlns:a14="http://schemas.microsoft.com/office/drawing/2010/main" xmlns:m="http://schemas.openxmlformats.org/officeDocument/2006/math" xmlns="" val="1"/>
+                  <ma14:wrappingTextBoxFlag xmlns="" xmlns:m="http://schemas.openxmlformats.org/officeDocument/2006/math" xmlns:a14="http://schemas.microsoft.com/office/drawing/2010/main" xmlns:ma14="http://schemas.microsoft.com/office/mac/drawingml/2011/main" val="1"/>
                 </a:ext>
               </a:extLst>
             </p:spPr>
@@ -26193,7 +26193,7 @@
                 <a:effectLst/>
                 <a:extLst>
                   <a:ext uri="{C572A759-6A51-4108-AA02-DFA0A04FC94B}">
-                    <ma14:wrappingTextBoxFlag xmlns:ma14="http://schemas.microsoft.com/office/mac/drawingml/2011/main" xmlns:a14="http://schemas.microsoft.com/office/drawing/2010/main" xmlns:m="http://schemas.openxmlformats.org/officeDocument/2006/math" xmlns="" val="1"/>
+                    <ma14:wrappingTextBoxFlag xmlns="" xmlns:m="http://schemas.openxmlformats.org/officeDocument/2006/math" xmlns:a14="http://schemas.microsoft.com/office/drawing/2010/main" xmlns:ma14="http://schemas.microsoft.com/office/mac/drawingml/2011/main" val="1"/>
                   </a:ext>
                 </a:extLst>
               </p:spPr>
@@ -26244,7 +26244,7 @@
               <a:effectLst/>
               <a:extLst>
                 <a:ext uri="{C572A759-6A51-4108-AA02-DFA0A04FC94B}">
-                  <ma14:wrappingTextBoxFlag xmlns:ma14="http://schemas.microsoft.com/office/mac/drawingml/2011/main" xmlns:a14="http://schemas.microsoft.com/office/drawing/2010/main" xmlns:m="http://schemas.openxmlformats.org/officeDocument/2006/math" xmlns="" val="1"/>
+                  <ma14:wrappingTextBoxFlag xmlns="" xmlns:m="http://schemas.openxmlformats.org/officeDocument/2006/math" xmlns:a14="http://schemas.microsoft.com/office/drawing/2010/main" xmlns:ma14="http://schemas.microsoft.com/office/mac/drawingml/2011/main" val="1"/>
                 </a:ext>
               </a:extLst>
             </p:spPr>
@@ -26582,7 +26582,7 @@
                 <a:effectLst/>
                 <a:extLst>
                   <a:ext uri="{C572A759-6A51-4108-AA02-DFA0A04FC94B}">
-                    <ma14:wrappingTextBoxFlag xmlns:ma14="http://schemas.microsoft.com/office/mac/drawingml/2011/main" xmlns:a14="http://schemas.microsoft.com/office/drawing/2010/main" xmlns:m="http://schemas.openxmlformats.org/officeDocument/2006/math" xmlns="" val="1"/>
+                    <ma14:wrappingTextBoxFlag xmlns="" xmlns:m="http://schemas.openxmlformats.org/officeDocument/2006/math" xmlns:a14="http://schemas.microsoft.com/office/drawing/2010/main" xmlns:ma14="http://schemas.microsoft.com/office/mac/drawingml/2011/main" val="1"/>
                   </a:ext>
                 </a:extLst>
               </p:spPr>
@@ -28042,7 +28042,7 @@
           </a:ln>
           <a:extLst>
             <a:ext uri="{C572A759-6A51-4108-AA02-DFA0A04FC94B}">
-              <ma14:wrappingTextBoxFlag xmlns:ma14="http://schemas.microsoft.com/office/mac/drawingml/2011/main" xmlns:a14="http://schemas.microsoft.com/office/drawing/2010/main" xmlns:m="http://schemas.openxmlformats.org/officeDocument/2006/math" xmlns="" val="1"/>
+              <ma14:wrappingTextBoxFlag xmlns="" xmlns:m="http://schemas.openxmlformats.org/officeDocument/2006/math" xmlns:a14="http://schemas.microsoft.com/office/drawing/2010/main" xmlns:ma14="http://schemas.microsoft.com/office/mac/drawingml/2011/main" val="1"/>
             </a:ext>
           </a:extLst>
         </p:spPr>
@@ -28219,7 +28219,7 @@
               <a:effectLst/>
               <a:extLst>
                 <a:ext uri="{C572A759-6A51-4108-AA02-DFA0A04FC94B}">
-                  <ma14:wrappingTextBoxFlag xmlns:ma14="http://schemas.microsoft.com/office/mac/drawingml/2011/main" xmlns:a14="http://schemas.microsoft.com/office/drawing/2010/main" xmlns:m="http://schemas.openxmlformats.org/officeDocument/2006/math" xmlns="" val="1"/>
+                  <ma14:wrappingTextBoxFlag xmlns="" xmlns:m="http://schemas.openxmlformats.org/officeDocument/2006/math" xmlns:a14="http://schemas.microsoft.com/office/drawing/2010/main" xmlns:ma14="http://schemas.microsoft.com/office/mac/drawingml/2011/main" val="1"/>
                 </a:ext>
               </a:extLst>
             </p:spPr>
@@ -28324,7 +28324,7 @@
               <a:effectLst/>
               <a:extLst>
                 <a:ext uri="{C572A759-6A51-4108-AA02-DFA0A04FC94B}">
-                  <ma14:wrappingTextBoxFlag xmlns:ma14="http://schemas.microsoft.com/office/mac/drawingml/2011/main" xmlns:a14="http://schemas.microsoft.com/office/drawing/2010/main" xmlns:m="http://schemas.openxmlformats.org/officeDocument/2006/math" xmlns="" val="1"/>
+                  <ma14:wrappingTextBoxFlag xmlns="" xmlns:m="http://schemas.openxmlformats.org/officeDocument/2006/math" xmlns:a14="http://schemas.microsoft.com/office/drawing/2010/main" xmlns:ma14="http://schemas.microsoft.com/office/mac/drawingml/2011/main" val="1"/>
                 </a:ext>
               </a:extLst>
             </p:spPr>
@@ -28375,7 +28375,7 @@
             <a:effectLst/>
             <a:extLst>
               <a:ext uri="{C572A759-6A51-4108-AA02-DFA0A04FC94B}">
-                <ma14:wrappingTextBoxFlag xmlns:ma14="http://schemas.microsoft.com/office/mac/drawingml/2011/main" xmlns:a14="http://schemas.microsoft.com/office/drawing/2010/main" xmlns:m="http://schemas.openxmlformats.org/officeDocument/2006/math" xmlns="" val="1"/>
+                <ma14:wrappingTextBoxFlag xmlns="" xmlns:m="http://schemas.openxmlformats.org/officeDocument/2006/math" xmlns:a14="http://schemas.microsoft.com/office/drawing/2010/main" xmlns:ma14="http://schemas.microsoft.com/office/mac/drawingml/2011/main" val="1"/>
               </a:ext>
             </a:extLst>
           </p:spPr>
@@ -28479,7 +28479,7 @@
               <a:effectLst/>
               <a:extLst>
                 <a:ext uri="{C572A759-6A51-4108-AA02-DFA0A04FC94B}">
-                  <ma14:wrappingTextBoxFlag xmlns:ma14="http://schemas.microsoft.com/office/mac/drawingml/2011/main" xmlns:a14="http://schemas.microsoft.com/office/drawing/2010/main" xmlns:m="http://schemas.openxmlformats.org/officeDocument/2006/math" xmlns="" val="1"/>
+                  <ma14:wrappingTextBoxFlag xmlns="" xmlns:m="http://schemas.openxmlformats.org/officeDocument/2006/math" xmlns:a14="http://schemas.microsoft.com/office/drawing/2010/main" xmlns:ma14="http://schemas.microsoft.com/office/mac/drawingml/2011/main" val="1"/>
                 </a:ext>
               </a:extLst>
             </p:spPr>
@@ -28530,7 +28530,7 @@
             <a:effectLst/>
             <a:extLst>
               <a:ext uri="{C572A759-6A51-4108-AA02-DFA0A04FC94B}">
-                <ma14:wrappingTextBoxFlag xmlns:ma14="http://schemas.microsoft.com/office/mac/drawingml/2011/main" xmlns:a14="http://schemas.microsoft.com/office/drawing/2010/main" xmlns:m="http://schemas.openxmlformats.org/officeDocument/2006/math" xmlns="" val="1"/>
+                <ma14:wrappingTextBoxFlag xmlns="" xmlns:m="http://schemas.openxmlformats.org/officeDocument/2006/math" xmlns:a14="http://schemas.microsoft.com/office/drawing/2010/main" xmlns:ma14="http://schemas.microsoft.com/office/mac/drawingml/2011/main" val="1"/>
               </a:ext>
             </a:extLst>
           </p:spPr>
@@ -29445,7 +29445,7 @@
           </a:ln>
           <a:extLst>
             <a:ext uri="{C572A759-6A51-4108-AA02-DFA0A04FC94B}">
-              <ma14:wrappingTextBoxFlag xmlns:ma14="http://schemas.microsoft.com/office/mac/drawingml/2011/main" xmlns:a14="http://schemas.microsoft.com/office/drawing/2010/main" xmlns:m="http://schemas.openxmlformats.org/officeDocument/2006/math" xmlns="" val="1"/>
+              <ma14:wrappingTextBoxFlag xmlns="" xmlns:m="http://schemas.openxmlformats.org/officeDocument/2006/math" xmlns:a14="http://schemas.microsoft.com/office/drawing/2010/main" xmlns:ma14="http://schemas.microsoft.com/office/mac/drawingml/2011/main" val="1"/>
             </a:ext>
           </a:extLst>
         </p:spPr>
@@ -29482,7 +29482,7 @@
           </a:ln>
           <a:extLst>
             <a:ext uri="{C572A759-6A51-4108-AA02-DFA0A04FC94B}">
-              <ma14:wrappingTextBoxFlag xmlns:ma14="http://schemas.microsoft.com/office/mac/drawingml/2011/main" xmlns:a14="http://schemas.microsoft.com/office/drawing/2010/main" xmlns:m="http://schemas.openxmlformats.org/officeDocument/2006/math" xmlns="" val="1"/>
+              <ma14:wrappingTextBoxFlag xmlns="" xmlns:m="http://schemas.openxmlformats.org/officeDocument/2006/math" xmlns:a14="http://schemas.microsoft.com/office/drawing/2010/main" xmlns:ma14="http://schemas.microsoft.com/office/mac/drawingml/2011/main" val="1"/>
             </a:ext>
           </a:extLst>
         </p:spPr>
@@ -31578,7 +31578,7 @@
           </a:ln>
           <a:extLst>
             <a:ext uri="{C572A759-6A51-4108-AA02-DFA0A04FC94B}">
-              <ma14:wrappingTextBoxFlag xmlns:ma14="http://schemas.microsoft.com/office/mac/drawingml/2011/main" xmlns:a14="http://schemas.microsoft.com/office/drawing/2010/main" xmlns:m="http://schemas.openxmlformats.org/officeDocument/2006/math" xmlns="" val="1"/>
+              <ma14:wrappingTextBoxFlag xmlns="" xmlns:m="http://schemas.openxmlformats.org/officeDocument/2006/math" xmlns:a14="http://schemas.microsoft.com/office/drawing/2010/main" xmlns:ma14="http://schemas.microsoft.com/office/mac/drawingml/2011/main" val="1"/>
             </a:ext>
           </a:extLst>
         </p:spPr>
@@ -31619,7 +31619,7 @@
         <p:fade/>
       </p:transition>
     </mc:Choice>
-    <mc:Fallback xmlns:a14="http://schemas.microsoft.com/office/drawing/2010/main" xmlns:m="http://schemas.openxmlformats.org/officeDocument/2006/math" xmlns="">
+    <mc:Fallback xmlns="" xmlns:m="http://schemas.openxmlformats.org/officeDocument/2006/math" xmlns:a14="http://schemas.microsoft.com/office/drawing/2010/main">
       <p:transition spd="med">
         <p:fade/>
       </p:transition>
@@ -31948,7 +31948,21 @@
                 <a:effectLst/>
                 <a:latin typeface="Arial" panose="020B0604020202020204" pitchFamily="34" charset="0"/>
               </a:rPr>
-              <a:t>Can skill mutation result in better performance when doing </a:t>
+              <a:t>Can skill mutation result in better </a:t>
+            </a:r>
+            <a:r>
+              <a:rPr lang="en-US" i="1" dirty="0">
+                <a:effectLst/>
+                <a:latin typeface="Arial" panose="020B0604020202020204" pitchFamily="34" charset="0"/>
+              </a:rPr>
+              <a:t>performance</a:t>
+            </a:r>
+            <a:r>
+              <a:rPr lang="en-US" b="0" i="1" dirty="0">
+                <a:effectLst/>
+                <a:latin typeface="Arial" panose="020B0604020202020204" pitchFamily="34" charset="0"/>
+              </a:rPr>
+              <a:t> when doing </a:t>
             </a:r>
             <a:r>
               <a:rPr lang="en-US" i="1" dirty="0"/>
@@ -31961,6 +31975,15 @@
               </a:rPr>
               <a:t>learning?</a:t>
             </a:r>
+          </a:p>
+          <a:p>
+            <a:pPr marL="0" indent="0">
+              <a:buNone/>
+            </a:pPr>
+            <a:endParaRPr lang="en-US" b="0" i="1" dirty="0">
+              <a:effectLst/>
+              <a:latin typeface="Arial" panose="020B0604020202020204" pitchFamily="34" charset="0"/>
+            </a:endParaRPr>
           </a:p>
           <a:p>
             <a:pPr marL="0" indent="0">
@@ -32016,7 +32039,7 @@
           </a:ln>
           <a:extLst>
             <a:ext uri="{C572A759-6A51-4108-AA02-DFA0A04FC94B}">
-              <ma14:wrappingTextBoxFlag xmlns:ma14="http://schemas.microsoft.com/office/mac/drawingml/2011/main" xmlns:a14="http://schemas.microsoft.com/office/drawing/2010/main" xmlns:m="http://schemas.openxmlformats.org/officeDocument/2006/math" xmlns="" val="1"/>
+              <ma14:wrappingTextBoxFlag xmlns="" xmlns:m="http://schemas.openxmlformats.org/officeDocument/2006/math" xmlns:a14="http://schemas.microsoft.com/office/drawing/2010/main" xmlns:ma14="http://schemas.microsoft.com/office/mac/drawingml/2011/main" val="1"/>
             </a:ext>
           </a:extLst>
         </p:spPr>
@@ -32061,7 +32084,7 @@
           </a:prstGeom>
           <a:extLst>
             <a:ext uri="{C572A759-6A51-4108-AA02-DFA0A04FC94B}">
-              <ma14:wrappingTextBoxFlag xmlns:ma14="http://schemas.microsoft.com/office/mac/drawingml/2011/main" xmlns:a14="http://schemas.microsoft.com/office/drawing/2010/main" xmlns:m="http://schemas.openxmlformats.org/officeDocument/2006/math" xmlns="" val="1"/>
+              <ma14:wrappingTextBoxFlag xmlns="" xmlns:m="http://schemas.openxmlformats.org/officeDocument/2006/math" xmlns:a14="http://schemas.microsoft.com/office/drawing/2010/main" xmlns:ma14="http://schemas.microsoft.com/office/mac/drawingml/2011/main" val="1"/>
             </a:ext>
           </a:extLst>
         </p:spPr>
@@ -32104,7 +32127,7 @@
           </a:ln>
           <a:extLst>
             <a:ext uri="{C572A759-6A51-4108-AA02-DFA0A04FC94B}">
-              <ma14:wrappingTextBoxFlag xmlns:ma14="http://schemas.microsoft.com/office/mac/drawingml/2011/main" xmlns:a14="http://schemas.microsoft.com/office/drawing/2010/main" xmlns:m="http://schemas.openxmlformats.org/officeDocument/2006/math" xmlns="" val="1"/>
+              <ma14:wrappingTextBoxFlag xmlns="" xmlns:m="http://schemas.openxmlformats.org/officeDocument/2006/math" xmlns:a14="http://schemas.microsoft.com/office/drawing/2010/main" xmlns:ma14="http://schemas.microsoft.com/office/mac/drawingml/2011/main" val="1"/>
             </a:ext>
           </a:extLst>
         </p:spPr>
@@ -32394,7 +32417,7 @@
         <p:fade/>
       </p:transition>
     </mc:Choice>
-    <mc:Fallback xmlns:a14="http://schemas.microsoft.com/office/drawing/2010/main" xmlns:m="http://schemas.openxmlformats.org/officeDocument/2006/math" xmlns="">
+    <mc:Fallback xmlns="" xmlns:m="http://schemas.openxmlformats.org/officeDocument/2006/math" xmlns:a14="http://schemas.microsoft.com/office/drawing/2010/main">
       <p:transition spd="med">
         <p:fade/>
       </p:transition>
@@ -32492,7 +32515,7 @@
           </a:ln>
           <a:extLst>
             <a:ext uri="{C572A759-6A51-4108-AA02-DFA0A04FC94B}">
-              <ma14:wrappingTextBoxFlag xmlns:ma14="http://schemas.microsoft.com/office/mac/drawingml/2011/main" xmlns:a14="http://schemas.microsoft.com/office/drawing/2010/main" xmlns:m="http://schemas.openxmlformats.org/officeDocument/2006/math" xmlns="" val="1"/>
+              <ma14:wrappingTextBoxFlag xmlns="" xmlns:m="http://schemas.openxmlformats.org/officeDocument/2006/math" xmlns:a14="http://schemas.microsoft.com/office/drawing/2010/main" xmlns:ma14="http://schemas.microsoft.com/office/mac/drawingml/2011/main" val="1"/>
             </a:ext>
           </a:extLst>
         </p:spPr>
@@ -32605,7 +32628,7 @@
         <p:fade/>
       </p:transition>
     </mc:Choice>
-    <mc:Fallback xmlns:a14="http://schemas.microsoft.com/office/drawing/2010/main" xmlns:m="http://schemas.openxmlformats.org/officeDocument/2006/math" xmlns="">
+    <mc:Fallback xmlns="" xmlns:m="http://schemas.openxmlformats.org/officeDocument/2006/math" xmlns:a14="http://schemas.microsoft.com/office/drawing/2010/main">
       <p:transition spd="med">
         <p:fade/>
       </p:transition>
@@ -32778,7 +32801,7 @@
           </a:ln>
           <a:extLst>
             <a:ext uri="{C572A759-6A51-4108-AA02-DFA0A04FC94B}">
-              <ma14:wrappingTextBoxFlag xmlns:ma14="http://schemas.microsoft.com/office/mac/drawingml/2011/main" xmlns:a14="http://schemas.microsoft.com/office/drawing/2010/main" xmlns:m="http://schemas.openxmlformats.org/officeDocument/2006/math" xmlns="" val="1"/>
+              <ma14:wrappingTextBoxFlag xmlns="" xmlns:m="http://schemas.openxmlformats.org/officeDocument/2006/math" xmlns:a14="http://schemas.microsoft.com/office/drawing/2010/main" xmlns:ma14="http://schemas.microsoft.com/office/mac/drawingml/2011/main" val="1"/>
             </a:ext>
           </a:extLst>
         </p:spPr>
@@ -32819,7 +32842,7 @@
         <p:fade/>
       </p:transition>
     </mc:Choice>
-    <mc:Fallback xmlns:a14="http://schemas.microsoft.com/office/drawing/2010/main" xmlns:m="http://schemas.openxmlformats.org/officeDocument/2006/math" xmlns="">
+    <mc:Fallback xmlns="" xmlns:m="http://schemas.openxmlformats.org/officeDocument/2006/math" xmlns:a14="http://schemas.microsoft.com/office/drawing/2010/main">
       <p:transition spd="med">
         <p:fade/>
       </p:transition>
@@ -32985,7 +33008,7 @@
           </a:ln>
           <a:extLst>
             <a:ext uri="{C572A759-6A51-4108-AA02-DFA0A04FC94B}">
-              <ma14:wrappingTextBoxFlag xmlns:ma14="http://schemas.microsoft.com/office/mac/drawingml/2011/main" xmlns:a14="http://schemas.microsoft.com/office/drawing/2010/main" xmlns:m="http://schemas.openxmlformats.org/officeDocument/2006/math" xmlns="" val="1"/>
+              <ma14:wrappingTextBoxFlag xmlns="" xmlns:m="http://schemas.openxmlformats.org/officeDocument/2006/math" xmlns:a14="http://schemas.microsoft.com/office/drawing/2010/main" xmlns:ma14="http://schemas.microsoft.com/office/mac/drawingml/2011/main" val="1"/>
             </a:ext>
           </a:extLst>
         </p:spPr>
@@ -33056,7 +33079,7 @@
         <p:fade/>
       </p:transition>
     </mc:Choice>
-    <mc:Fallback xmlns:a14="http://schemas.microsoft.com/office/drawing/2010/main" xmlns:m="http://schemas.openxmlformats.org/officeDocument/2006/math" xmlns="">
+    <mc:Fallback xmlns="" xmlns:m="http://schemas.openxmlformats.org/officeDocument/2006/math" xmlns:a14="http://schemas.microsoft.com/office/drawing/2010/main">
       <p:transition spd="med">
         <p:fade/>
       </p:transition>
@@ -35578,9 +35601,12 @@
 </file>
 
 <file path=customXml/item1.xml><?xml version="1.0" encoding="utf-8"?>
-<p:properties xmlns:p="http://schemas.microsoft.com/office/2006/metadata/properties" xmlns:xsi="http://www.w3.org/2001/XMLSchema-instance" xmlns:pc="http://schemas.microsoft.com/office/infopath/2007/PartnerControls">
-  <documentManagement/>
-</p:properties>
+<?mso-contentType ?>
+<FormTemplates xmlns="http://schemas.microsoft.com/sharepoint/v3/contenttype/forms">
+  <Display>DocumentLibraryForm</Display>
+  <Edit>DocumentLibraryForm</Edit>
+  <New>DocumentLibraryForm</New>
+</FormTemplates>
 </file>
 
 <file path=customXml/item2.xml><?xml version="1.0" encoding="utf-8"?>
@@ -35749,19 +35775,15 @@
 </file>
 
 <file path=customXml/item3.xml><?xml version="1.0" encoding="utf-8"?>
-<?mso-contentType ?>
-<FormTemplates xmlns="http://schemas.microsoft.com/sharepoint/v3/contenttype/forms">
-  <Display>DocumentLibraryForm</Display>
-  <Edit>DocumentLibraryForm</Edit>
-  <New>DocumentLibraryForm</New>
-</FormTemplates>
+<p:properties xmlns:p="http://schemas.microsoft.com/office/2006/metadata/properties" xmlns:xsi="http://www.w3.org/2001/XMLSchema-instance" xmlns:pc="http://schemas.microsoft.com/office/infopath/2007/PartnerControls">
+  <documentManagement/>
+</p:properties>
 </file>
 
 <file path=customXml/itemProps1.xml><?xml version="1.0" encoding="utf-8"?>
-<ds:datastoreItem xmlns:ds="http://schemas.openxmlformats.org/officeDocument/2006/customXml" ds:itemID="{CEE0BA3A-6593-471F-A43D-F66C68AA6CDA}">
+<ds:datastoreItem xmlns:ds="http://schemas.openxmlformats.org/officeDocument/2006/customXml" ds:itemID="{8DC11680-DE81-4680-9BC1-792B99414ADD}">
   <ds:schemaRefs>
-    <ds:schemaRef ds:uri="http://schemas.microsoft.com/office/2006/metadata/properties"/>
-    <ds:schemaRef ds:uri="http://schemas.microsoft.com/office/infopath/2007/PartnerControls"/>
+    <ds:schemaRef ds:uri="http://schemas.microsoft.com/sharepoint/v3/contenttype/forms"/>
   </ds:schemaRefs>
 </ds:datastoreItem>
 </file>
@@ -35786,9 +35808,10 @@
 </file>
 
 <file path=customXml/itemProps3.xml><?xml version="1.0" encoding="utf-8"?>
-<ds:datastoreItem xmlns:ds="http://schemas.openxmlformats.org/officeDocument/2006/customXml" ds:itemID="{8DC11680-DE81-4680-9BC1-792B99414ADD}">
+<ds:datastoreItem xmlns:ds="http://schemas.openxmlformats.org/officeDocument/2006/customXml" ds:itemID="{CEE0BA3A-6593-471F-A43D-F66C68AA6CDA}">
   <ds:schemaRefs>
-    <ds:schemaRef ds:uri="http://schemas.microsoft.com/sharepoint/v3/contenttype/forms"/>
+    <ds:schemaRef ds:uri="http://schemas.microsoft.com/office/2006/metadata/properties"/>
+    <ds:schemaRef ds:uri="http://schemas.microsoft.com/office/infopath/2007/PartnerControls"/>
   </ds:schemaRefs>
 </ds:datastoreItem>
 </file>